--- a/PPT/chapter7.pptx
+++ b/PPT/chapter7.pptx
@@ -2,7 +2,7 @@
 <file path=ppt/presentation.xml><?xml version="1.0" encoding="utf-8"?>
 <p:presentation xmlns:a="http://schemas.openxmlformats.org/drawingml/2006/main" xmlns:r="http://schemas.openxmlformats.org/officeDocument/2006/relationships" xmlns:p="http://schemas.openxmlformats.org/presentationml/2006/main" saveSubsetFonts="1">
   <p:sldMasterIdLst>
-    <p:sldMasterId id="2147483648" r:id="rId1"/>
+    <p:sldMasterId id="2147483661" r:id="rId1"/>
   </p:sldMasterIdLst>
   <p:notesMasterIdLst>
     <p:notesMasterId r:id="rId34"/>
@@ -11,7 +11,7 @@
     <p:handoutMasterId r:id="rId35"/>
   </p:handoutMasterIdLst>
   <p:sldIdLst>
-    <p:sldId id="260" r:id="rId2"/>
+    <p:sldId id="377" r:id="rId2"/>
     <p:sldId id="366" r:id="rId3"/>
     <p:sldId id="257" r:id="rId4"/>
     <p:sldId id="279" r:id="rId5"/>
@@ -155,283 +155,6 @@
 <file path=ppt/changesInfos/changesInfo1.xml><?xml version="1.0" encoding="utf-8"?>
 <pc:chgInfo xmlns:a="http://schemas.openxmlformats.org/drawingml/2006/main" xmlns:r="http://schemas.openxmlformats.org/officeDocument/2006/relationships" xmlns:ac="http://schemas.microsoft.com/office/drawing/2013/main/command" xmlns:pc="http://schemas.microsoft.com/office/powerpoint/2013/main/command">
   <pc:docChgLst>
-    <pc:chgData name="Scruel Tao" userId="5ea5c98d59b44d4b" providerId="LiveId" clId="{87FBC7D8-1787-472E-943C-47DC06981038}"/>
-    <pc:docChg chg="undo custSel addSld delSld modSld sldOrd">
-      <pc:chgData name="Scruel Tao" userId="5ea5c98d59b44d4b" providerId="LiveId" clId="{87FBC7D8-1787-472E-943C-47DC06981038}" dt="2023-12-10T16:03:59.813" v="1043" actId="404"/>
-      <pc:docMkLst>
-        <pc:docMk/>
-      </pc:docMkLst>
-      <pc:sldChg chg="modSp mod">
-        <pc:chgData name="Scruel Tao" userId="5ea5c98d59b44d4b" providerId="LiveId" clId="{87FBC7D8-1787-472E-943C-47DC06981038}" dt="2023-12-02T11:05:34.989" v="1017" actId="20577"/>
-        <pc:sldMkLst>
-          <pc:docMk/>
-          <pc:sldMk cId="2449811789" sldId="286"/>
-        </pc:sldMkLst>
-        <pc:spChg chg="mod">
-          <ac:chgData name="Scruel Tao" userId="5ea5c98d59b44d4b" providerId="LiveId" clId="{87FBC7D8-1787-472E-943C-47DC06981038}" dt="2023-12-02T11:05:34.989" v="1017" actId="20577"/>
-          <ac:spMkLst>
-            <pc:docMk/>
-            <pc:sldMk cId="2449811789" sldId="286"/>
-            <ac:spMk id="4" creationId="{35A047B7-1977-6D79-E59E-4B1E2C174AC6}"/>
-          </ac:spMkLst>
-        </pc:spChg>
-      </pc:sldChg>
-      <pc:sldChg chg="modTransition modAnim">
-        <pc:chgData name="Scruel Tao" userId="5ea5c98d59b44d4b" providerId="LiveId" clId="{87FBC7D8-1787-472E-943C-47DC06981038}" dt="2023-12-03T14:19:33.952" v="1026"/>
-        <pc:sldMkLst>
-          <pc:docMk/>
-          <pc:sldMk cId="499574398" sldId="287"/>
-        </pc:sldMkLst>
-      </pc:sldChg>
-      <pc:sldChg chg="modSp mod">
-        <pc:chgData name="Scruel Tao" userId="5ea5c98d59b44d4b" providerId="LiveId" clId="{87FBC7D8-1787-472E-943C-47DC06981038}" dt="2023-12-02T10:40:26.223" v="29" actId="20577"/>
-        <pc:sldMkLst>
-          <pc:docMk/>
-          <pc:sldMk cId="2444493676" sldId="288"/>
-        </pc:sldMkLst>
-        <pc:spChg chg="mod">
-          <ac:chgData name="Scruel Tao" userId="5ea5c98d59b44d4b" providerId="LiveId" clId="{87FBC7D8-1787-472E-943C-47DC06981038}" dt="2023-12-02T10:40:26.223" v="29" actId="20577"/>
-          <ac:spMkLst>
-            <pc:docMk/>
-            <pc:sldMk cId="2444493676" sldId="288"/>
-            <ac:spMk id="4" creationId="{35A047B7-1977-6D79-E59E-4B1E2C174AC6}"/>
-          </ac:spMkLst>
-        </pc:spChg>
-      </pc:sldChg>
-      <pc:sldChg chg="modNotesTx">
-        <pc:chgData name="Scruel Tao" userId="5ea5c98d59b44d4b" providerId="LiveId" clId="{87FBC7D8-1787-472E-943C-47DC06981038}" dt="2023-12-10T16:03:59.813" v="1043" actId="404"/>
-        <pc:sldMkLst>
-          <pc:docMk/>
-          <pc:sldMk cId="1662673146" sldId="289"/>
-        </pc:sldMkLst>
-      </pc:sldChg>
-      <pc:sldChg chg="modAnim">
-        <pc:chgData name="Scruel Tao" userId="5ea5c98d59b44d4b" providerId="LiveId" clId="{87FBC7D8-1787-472E-943C-47DC06981038}" dt="2023-12-03T10:58:10.020" v="1025"/>
-        <pc:sldMkLst>
-          <pc:docMk/>
-          <pc:sldMk cId="2447875928" sldId="312"/>
-        </pc:sldMkLst>
-      </pc:sldChg>
-      <pc:sldChg chg="modTransition">
-        <pc:chgData name="Scruel Tao" userId="5ea5c98d59b44d4b" providerId="LiveId" clId="{87FBC7D8-1787-472E-943C-47DC06981038}" dt="2023-12-10T16:02:48.433" v="1030"/>
-        <pc:sldMkLst>
-          <pc:docMk/>
-          <pc:sldMk cId="192508411" sldId="367"/>
-        </pc:sldMkLst>
-      </pc:sldChg>
-      <pc:sldChg chg="modAnim">
-        <pc:chgData name="Scruel Tao" userId="5ea5c98d59b44d4b" providerId="LiveId" clId="{87FBC7D8-1787-472E-943C-47DC06981038}" dt="2023-12-03T10:47:15.648" v="1020"/>
-        <pc:sldMkLst>
-          <pc:docMk/>
-          <pc:sldMk cId="426589406" sldId="370"/>
-        </pc:sldMkLst>
-      </pc:sldChg>
-      <pc:sldChg chg="addSp modSp add del mod">
-        <pc:chgData name="Scruel Tao" userId="5ea5c98d59b44d4b" providerId="LiveId" clId="{87FBC7D8-1787-472E-943C-47DC06981038}" dt="2023-12-02T10:52:05.848" v="538" actId="2696"/>
-        <pc:sldMkLst>
-          <pc:docMk/>
-          <pc:sldMk cId="2801260379" sldId="372"/>
-        </pc:sldMkLst>
-        <pc:spChg chg="mod">
-          <ac:chgData name="Scruel Tao" userId="5ea5c98d59b44d4b" providerId="LiveId" clId="{87FBC7D8-1787-472E-943C-47DC06981038}" dt="2023-12-02T10:41:53.238" v="43" actId="20577"/>
-          <ac:spMkLst>
-            <pc:docMk/>
-            <pc:sldMk cId="2801260379" sldId="372"/>
-            <ac:spMk id="2" creationId="{BAD162F0-2175-84E9-2387-55F669162449}"/>
-          </ac:spMkLst>
-        </pc:spChg>
-        <pc:spChg chg="add mod">
-          <ac:chgData name="Scruel Tao" userId="5ea5c98d59b44d4b" providerId="LiveId" clId="{87FBC7D8-1787-472E-943C-47DC06981038}" dt="2023-12-02T10:45:08.838" v="189" actId="20577"/>
-          <ac:spMkLst>
-            <pc:docMk/>
-            <pc:sldMk cId="2801260379" sldId="372"/>
-            <ac:spMk id="3" creationId="{2DD25971-C353-209F-CE81-11A47B5E5F68}"/>
-          </ac:spMkLst>
-        </pc:spChg>
-        <pc:spChg chg="mod">
-          <ac:chgData name="Scruel Tao" userId="5ea5c98d59b44d4b" providerId="LiveId" clId="{87FBC7D8-1787-472E-943C-47DC06981038}" dt="2023-12-02T10:44:26.681" v="175" actId="21"/>
-          <ac:spMkLst>
-            <pc:docMk/>
-            <pc:sldMk cId="2801260379" sldId="372"/>
-            <ac:spMk id="4" creationId="{35A047B7-1977-6D79-E59E-4B1E2C174AC6}"/>
-          </ac:spMkLst>
-        </pc:spChg>
-      </pc:sldChg>
-      <pc:sldChg chg="addSp modSp add del mod">
-        <pc:chgData name="Scruel Tao" userId="5ea5c98d59b44d4b" providerId="LiveId" clId="{87FBC7D8-1787-472E-943C-47DC06981038}" dt="2023-12-02T10:52:35.741" v="567" actId="2696"/>
-        <pc:sldMkLst>
-          <pc:docMk/>
-          <pc:sldMk cId="185757271" sldId="373"/>
-        </pc:sldMkLst>
-        <pc:spChg chg="mod">
-          <ac:chgData name="Scruel Tao" userId="5ea5c98d59b44d4b" providerId="LiveId" clId="{87FBC7D8-1787-472E-943C-47DC06981038}" dt="2023-12-02T10:51:03.052" v="484" actId="1036"/>
-          <ac:spMkLst>
-            <pc:docMk/>
-            <pc:sldMk cId="185757271" sldId="373"/>
-            <ac:spMk id="3" creationId="{2DD25971-C353-209F-CE81-11A47B5E5F68}"/>
-          </ac:spMkLst>
-        </pc:spChg>
-        <pc:spChg chg="mod">
-          <ac:chgData name="Scruel Tao" userId="5ea5c98d59b44d4b" providerId="LiveId" clId="{87FBC7D8-1787-472E-943C-47DC06981038}" dt="2023-12-02T10:51:21.556" v="510" actId="21"/>
-          <ac:spMkLst>
-            <pc:docMk/>
-            <pc:sldMk cId="185757271" sldId="373"/>
-            <ac:spMk id="4" creationId="{35A047B7-1977-6D79-E59E-4B1E2C174AC6}"/>
-          </ac:spMkLst>
-        </pc:spChg>
-        <pc:spChg chg="add mod">
-          <ac:chgData name="Scruel Tao" userId="5ea5c98d59b44d4b" providerId="LiveId" clId="{87FBC7D8-1787-472E-943C-47DC06981038}" dt="2023-12-02T10:52:01.710" v="537" actId="20577"/>
-          <ac:spMkLst>
-            <pc:docMk/>
-            <pc:sldMk cId="185757271" sldId="373"/>
-            <ac:spMk id="5" creationId="{B0DF5B52-3815-DC6E-74CF-C54B79B7FBDB}"/>
-          </ac:spMkLst>
-        </pc:spChg>
-      </pc:sldChg>
-      <pc:sldChg chg="modSp add mod ord modTransition">
-        <pc:chgData name="Scruel Tao" userId="5ea5c98d59b44d4b" providerId="LiveId" clId="{87FBC7D8-1787-472E-943C-47DC06981038}" dt="2023-12-03T14:19:43.448" v="1027"/>
-        <pc:sldMkLst>
-          <pc:docMk/>
-          <pc:sldMk cId="1241296236" sldId="374"/>
-        </pc:sldMkLst>
-        <pc:spChg chg="mod">
-          <ac:chgData name="Scruel Tao" userId="5ea5c98d59b44d4b" providerId="LiveId" clId="{87FBC7D8-1787-472E-943C-47DC06981038}" dt="2023-12-02T10:56:25.449" v="777"/>
-          <ac:spMkLst>
-            <pc:docMk/>
-            <pc:sldMk cId="1241296236" sldId="374"/>
-            <ac:spMk id="2" creationId="{BAD162F0-2175-84E9-2387-55F669162449}"/>
-          </ac:spMkLst>
-        </pc:spChg>
-        <pc:spChg chg="mod">
-          <ac:chgData name="Scruel Tao" userId="5ea5c98d59b44d4b" providerId="LiveId" clId="{87FBC7D8-1787-472E-943C-47DC06981038}" dt="2023-12-02T10:54:06.871" v="653" actId="20577"/>
-          <ac:spMkLst>
-            <pc:docMk/>
-            <pc:sldMk cId="1241296236" sldId="374"/>
-            <ac:spMk id="3" creationId="{2DD25971-C353-209F-CE81-11A47B5E5F68}"/>
-          </ac:spMkLst>
-        </pc:spChg>
-        <pc:spChg chg="mod">
-          <ac:chgData name="Scruel Tao" userId="5ea5c98d59b44d4b" providerId="LiveId" clId="{87FBC7D8-1787-472E-943C-47DC06981038}" dt="2023-12-02T11:03:42.308" v="996"/>
-          <ac:spMkLst>
-            <pc:docMk/>
-            <pc:sldMk cId="1241296236" sldId="374"/>
-            <ac:spMk id="4" creationId="{35A047B7-1977-6D79-E59E-4B1E2C174AC6}"/>
-          </ac:spMkLst>
-        </pc:spChg>
-        <pc:spChg chg="mod">
-          <ac:chgData name="Scruel Tao" userId="5ea5c98d59b44d4b" providerId="LiveId" clId="{87FBC7D8-1787-472E-943C-47DC06981038}" dt="2023-12-02T10:54:00.908" v="649" actId="20577"/>
-          <ac:spMkLst>
-            <pc:docMk/>
-            <pc:sldMk cId="1241296236" sldId="374"/>
-            <ac:spMk id="5" creationId="{B0DF5B52-3815-DC6E-74CF-C54B79B7FBDB}"/>
-          </ac:spMkLst>
-        </pc:spChg>
-      </pc:sldChg>
-      <pc:sldChg chg="modSp add mod modAnim">
-        <pc:chgData name="Scruel Tao" userId="5ea5c98d59b44d4b" providerId="LiveId" clId="{87FBC7D8-1787-472E-943C-47DC06981038}" dt="2023-12-02T11:04:39.279" v="1011" actId="20577"/>
-        <pc:sldMkLst>
-          <pc:docMk/>
-          <pc:sldMk cId="536485722" sldId="375"/>
-        </pc:sldMkLst>
-        <pc:spChg chg="mod">
-          <ac:chgData name="Scruel Tao" userId="5ea5c98d59b44d4b" providerId="LiveId" clId="{87FBC7D8-1787-472E-943C-47DC06981038}" dt="2023-12-02T10:56:23.969" v="776"/>
-          <ac:spMkLst>
-            <pc:docMk/>
-            <pc:sldMk cId="536485722" sldId="375"/>
-            <ac:spMk id="2" creationId="{BAD162F0-2175-84E9-2387-55F669162449}"/>
-          </ac:spMkLst>
-        </pc:spChg>
-        <pc:spChg chg="mod">
-          <ac:chgData name="Scruel Tao" userId="5ea5c98d59b44d4b" providerId="LiveId" clId="{87FBC7D8-1787-472E-943C-47DC06981038}" dt="2023-12-02T11:04:39.279" v="1011" actId="20577"/>
-          <ac:spMkLst>
-            <pc:docMk/>
-            <pc:sldMk cId="536485722" sldId="375"/>
-            <ac:spMk id="3" creationId="{2DD25971-C353-209F-CE81-11A47B5E5F68}"/>
-          </ac:spMkLst>
-        </pc:spChg>
-        <pc:spChg chg="mod">
-          <ac:chgData name="Scruel Tao" userId="5ea5c98d59b44d4b" providerId="LiveId" clId="{87FBC7D8-1787-472E-943C-47DC06981038}" dt="2023-12-02T11:04:20.718" v="1003"/>
-          <ac:spMkLst>
-            <pc:docMk/>
-            <pc:sldMk cId="536485722" sldId="375"/>
-            <ac:spMk id="4" creationId="{35A047B7-1977-6D79-E59E-4B1E2C174AC6}"/>
-          </ac:spMkLst>
-        </pc:spChg>
-      </pc:sldChg>
-      <pc:sldChg chg="addSp delSp modSp add mod modTransition modAnim">
-        <pc:chgData name="Scruel Tao" userId="5ea5c98d59b44d4b" providerId="LiveId" clId="{87FBC7D8-1787-472E-943C-47DC06981038}" dt="2023-12-10T16:01:08.844" v="1028"/>
-        <pc:sldMkLst>
-          <pc:docMk/>
-          <pc:sldMk cId="3770904364" sldId="376"/>
-        </pc:sldMkLst>
-        <pc:spChg chg="mod">
-          <ac:chgData name="Scruel Tao" userId="5ea5c98d59b44d4b" providerId="LiveId" clId="{87FBC7D8-1787-472E-943C-47DC06981038}" dt="2023-12-02T11:00:13.478" v="867"/>
-          <ac:spMkLst>
-            <pc:docMk/>
-            <pc:sldMk cId="3770904364" sldId="376"/>
-            <ac:spMk id="2" creationId="{BAD162F0-2175-84E9-2387-55F669162449}"/>
-          </ac:spMkLst>
-        </pc:spChg>
-        <pc:spChg chg="del">
-          <ac:chgData name="Scruel Tao" userId="5ea5c98d59b44d4b" providerId="LiveId" clId="{87FBC7D8-1787-472E-943C-47DC06981038}" dt="2023-12-02T10:57:42.496" v="778" actId="21"/>
-          <ac:spMkLst>
-            <pc:docMk/>
-            <pc:sldMk cId="3770904364" sldId="376"/>
-            <ac:spMk id="3" creationId="{2DD25971-C353-209F-CE81-11A47B5E5F68}"/>
-          </ac:spMkLst>
-        </pc:spChg>
-        <pc:spChg chg="mod">
-          <ac:chgData name="Scruel Tao" userId="5ea5c98d59b44d4b" providerId="LiveId" clId="{87FBC7D8-1787-472E-943C-47DC06981038}" dt="2023-12-02T11:03:39.037" v="995"/>
-          <ac:spMkLst>
-            <pc:docMk/>
-            <pc:sldMk cId="3770904364" sldId="376"/>
-            <ac:spMk id="4" creationId="{35A047B7-1977-6D79-E59E-4B1E2C174AC6}"/>
-          </ac:spMkLst>
-        </pc:spChg>
-        <pc:spChg chg="mod">
-          <ac:chgData name="Scruel Tao" userId="5ea5c98d59b44d4b" providerId="LiveId" clId="{87FBC7D8-1787-472E-943C-47DC06981038}" dt="2023-12-02T11:01:27.487" v="933" actId="1076"/>
-          <ac:spMkLst>
-            <pc:docMk/>
-            <pc:sldMk cId="3770904364" sldId="376"/>
-            <ac:spMk id="5" creationId="{B0DF5B52-3815-DC6E-74CF-C54B79B7FBDB}"/>
-          </ac:spMkLst>
-        </pc:spChg>
-        <pc:spChg chg="add del mod">
-          <ac:chgData name="Scruel Tao" userId="5ea5c98d59b44d4b" providerId="LiveId" clId="{87FBC7D8-1787-472E-943C-47DC06981038}" dt="2023-12-02T11:00:58.978" v="927" actId="21"/>
-          <ac:spMkLst>
-            <pc:docMk/>
-            <pc:sldMk cId="3770904364" sldId="376"/>
-            <ac:spMk id="6" creationId="{3551BC3A-F407-90F2-DD99-024FCD85E99D}"/>
-          </ac:spMkLst>
-        </pc:spChg>
-        <pc:spChg chg="add mod">
-          <ac:chgData name="Scruel Tao" userId="5ea5c98d59b44d4b" providerId="LiveId" clId="{87FBC7D8-1787-472E-943C-47DC06981038}" dt="2023-12-02T10:58:42.838" v="812" actId="571"/>
-          <ac:spMkLst>
-            <pc:docMk/>
-            <pc:sldMk cId="3770904364" sldId="376"/>
-            <ac:spMk id="7" creationId="{A49D531F-63E0-C93D-CB15-6FD45C45CA9A}"/>
-          </ac:spMkLst>
-        </pc:spChg>
-        <pc:spChg chg="add mod">
-          <ac:chgData name="Scruel Tao" userId="5ea5c98d59b44d4b" providerId="LiveId" clId="{87FBC7D8-1787-472E-943C-47DC06981038}" dt="2023-12-02T11:02:39.312" v="994" actId="1076"/>
-          <ac:spMkLst>
-            <pc:docMk/>
-            <pc:sldMk cId="3770904364" sldId="376"/>
-            <ac:spMk id="8" creationId="{C9776988-5C5F-F1F0-DDE7-96C1C4AF22DE}"/>
-          </ac:spMkLst>
-        </pc:spChg>
-        <pc:spChg chg="add mod">
-          <ac:chgData name="Scruel Tao" userId="5ea5c98d59b44d4b" providerId="LiveId" clId="{87FBC7D8-1787-472E-943C-47DC06981038}" dt="2023-12-02T11:02:29.168" v="993" actId="14100"/>
-          <ac:spMkLst>
-            <pc:docMk/>
-            <pc:sldMk cId="3770904364" sldId="376"/>
-            <ac:spMk id="10" creationId="{B46E5FBC-D84E-920C-5CDD-64E73C676832}"/>
-          </ac:spMkLst>
-        </pc:spChg>
-      </pc:sldChg>
-    </pc:docChg>
-  </pc:docChgLst>
-  <pc:docChgLst>
     <pc:chgData name="Scruel Tao" userId="5ea5c98d59b44d4b" providerId="LiveId" clId="{2BA6F94F-59B6-4AA6-9DB6-4A8227DBE37E}"/>
     <pc:docChg chg="undo redo custSel addSld delSld modSld sldOrd modMainMaster">
       <pc:chgData name="Scruel Tao" userId="5ea5c98d59b44d4b" providerId="LiveId" clId="{2BA6F94F-59B6-4AA6-9DB6-4A8227DBE37E}" dt="2023-04-06T03:22:01.021" v="6326" actId="20577"/>
@@ -1499,14 +1222,14 @@
           <pc:chgData name="Scruel Tao" userId="5ea5c98d59b44d4b" providerId="LiveId" clId="{2BA6F94F-59B6-4AA6-9DB6-4A8227DBE37E}" dt="2023-04-03T03:34:53.033" v="335" actId="1076"/>
           <pc:sldLayoutMkLst>
             <pc:docMk/>
-            <pc:sldMasterMk cId="1766057859" sldId="2147483648"/>
+            <pc:sldMasterMk cId="4127586598" sldId="2147483661"/>
             <pc:sldLayoutMk cId="1337634028" sldId="2147483660"/>
           </pc:sldLayoutMkLst>
           <pc:spChg chg="del mod">
             <ac:chgData name="Scruel Tao" userId="5ea5c98d59b44d4b" providerId="LiveId" clId="{2BA6F94F-59B6-4AA6-9DB6-4A8227DBE37E}" dt="2023-04-03T03:27:47.594" v="278" actId="478"/>
             <ac:spMkLst>
               <pc:docMk/>
-              <pc:sldMasterMk cId="1766057859" sldId="2147483648"/>
+              <pc:sldMasterMk cId="4127586598" sldId="2147483661"/>
               <pc:sldLayoutMk cId="1337634028" sldId="2147483660"/>
               <ac:spMk id="19468" creationId="{418CE5A5-515B-CEAB-D160-CBAFEBF4837F}"/>
             </ac:spMkLst>
@@ -1515,7 +1238,7 @@
             <ac:chgData name="Scruel Tao" userId="5ea5c98d59b44d4b" providerId="LiveId" clId="{2BA6F94F-59B6-4AA6-9DB6-4A8227DBE37E}" dt="2023-04-03T03:26:11.336" v="269" actId="21"/>
             <ac:picMkLst>
               <pc:docMk/>
-              <pc:sldMasterMk cId="1766057859" sldId="2147483648"/>
+              <pc:sldMasterMk cId="4127586598" sldId="2147483661"/>
               <pc:sldLayoutMk cId="1337634028" sldId="2147483660"/>
               <ac:picMk id="19481" creationId="{02568321-E4E6-1B3D-8017-A3451A7203B9}"/>
             </ac:picMkLst>
@@ -1524,13 +1247,72 @@
             <ac:chgData name="Scruel Tao" userId="5ea5c98d59b44d4b" providerId="LiveId" clId="{2BA6F94F-59B6-4AA6-9DB6-4A8227DBE37E}" dt="2023-04-03T03:34:53.033" v="335" actId="1076"/>
             <ac:picMkLst>
               <pc:docMk/>
-              <pc:sldMasterMk cId="1766057859" sldId="2147483648"/>
+              <pc:sldMasterMk cId="4127586598" sldId="2147483661"/>
               <pc:sldLayoutMk cId="1337634028" sldId="2147483660"/>
               <ac:picMk id="19482" creationId="{8F2B9C9A-7CA4-5723-784E-DBADCF09186B}"/>
             </ac:picMkLst>
           </pc:picChg>
         </pc:sldLayoutChg>
       </pc:sldMasterChg>
+    </pc:docChg>
+  </pc:docChgLst>
+  <pc:docChgLst>
+    <pc:chgData name="Scruel Tao" userId="5ea5c98d59b44d4b" providerId="LiveId" clId="{88D73D01-CABB-4B2D-80EC-648726E3C219}"/>
+    <pc:docChg chg="addSld delSld modSld">
+      <pc:chgData name="Scruel Tao" userId="5ea5c98d59b44d4b" providerId="LiveId" clId="{88D73D01-CABB-4B2D-80EC-648726E3C219}" dt="2023-04-26T02:43:35.768" v="17" actId="20577"/>
+      <pc:docMkLst>
+        <pc:docMk/>
+      </pc:docMkLst>
+      <pc:sldChg chg="modSp add del mod">
+        <pc:chgData name="Scruel Tao" userId="5ea5c98d59b44d4b" providerId="LiveId" clId="{88D73D01-CABB-4B2D-80EC-648726E3C219}" dt="2023-04-26T02:43:35.768" v="17" actId="20577"/>
+        <pc:sldMkLst>
+          <pc:docMk/>
+          <pc:sldMk cId="1112998187" sldId="257"/>
+        </pc:sldMkLst>
+        <pc:spChg chg="mod">
+          <ac:chgData name="Scruel Tao" userId="5ea5c98d59b44d4b" providerId="LiveId" clId="{88D73D01-CABB-4B2D-80EC-648726E3C219}" dt="2023-04-26T02:43:35.768" v="17" actId="20577"/>
+          <ac:spMkLst>
+            <pc:docMk/>
+            <pc:sldMk cId="1112998187" sldId="257"/>
+            <ac:spMk id="2" creationId="{1422DFF6-0952-1023-64E3-97184D36BE3F}"/>
+          </ac:spMkLst>
+        </pc:spChg>
+      </pc:sldChg>
+      <pc:sldChg chg="del">
+        <pc:chgData name="Scruel Tao" userId="5ea5c98d59b44d4b" providerId="LiveId" clId="{88D73D01-CABB-4B2D-80EC-648726E3C219}" dt="2023-04-26T02:43:28.228" v="0" actId="47"/>
+        <pc:sldMkLst>
+          <pc:docMk/>
+          <pc:sldMk cId="1199684676" sldId="259"/>
+        </pc:sldMkLst>
+      </pc:sldChg>
+      <pc:sldChg chg="del">
+        <pc:chgData name="Scruel Tao" userId="5ea5c98d59b44d4b" providerId="LiveId" clId="{88D73D01-CABB-4B2D-80EC-648726E3C219}" dt="2023-04-26T02:43:28.228" v="0" actId="47"/>
+        <pc:sldMkLst>
+          <pc:docMk/>
+          <pc:sldMk cId="1751565490" sldId="276"/>
+        </pc:sldMkLst>
+      </pc:sldChg>
+      <pc:sldChg chg="add">
+        <pc:chgData name="Scruel Tao" userId="5ea5c98d59b44d4b" providerId="LiveId" clId="{88D73D01-CABB-4B2D-80EC-648726E3C219}" dt="2023-04-26T02:43:28.794" v="1"/>
+        <pc:sldMkLst>
+          <pc:docMk/>
+          <pc:sldMk cId="3519437269" sldId="279"/>
+        </pc:sldMkLst>
+      </pc:sldChg>
+      <pc:sldChg chg="add">
+        <pc:chgData name="Scruel Tao" userId="5ea5c98d59b44d4b" providerId="LiveId" clId="{88D73D01-CABB-4B2D-80EC-648726E3C219}" dt="2023-04-26T02:43:28.794" v="1"/>
+        <pc:sldMkLst>
+          <pc:docMk/>
+          <pc:sldMk cId="3745708182" sldId="280"/>
+        </pc:sldMkLst>
+      </pc:sldChg>
+      <pc:sldChg chg="add">
+        <pc:chgData name="Scruel Tao" userId="5ea5c98d59b44d4b" providerId="LiveId" clId="{88D73D01-CABB-4B2D-80EC-648726E3C219}" dt="2023-04-26T02:43:28.794" v="1"/>
+        <pc:sldMkLst>
+          <pc:docMk/>
+          <pc:sldMk cId="364430658" sldId="282"/>
+        </pc:sldMkLst>
+      </pc:sldChg>
     </pc:docChg>
   </pc:docChgLst>
   <pc:docChgLst>
@@ -2711,79 +2493,20 @@
           <pc:chgData name="Scruel Tao" userId="5ea5c98d59b44d4b" providerId="LiveId" clId="{42F73B06-DA81-4C67-8473-07E158E9C79B}" dt="2023-04-25T02:47:33.665" v="42" actId="21"/>
           <pc:sldLayoutMkLst>
             <pc:docMk/>
-            <pc:sldMasterMk cId="1766057859" sldId="2147483648"/>
+            <pc:sldMasterMk cId="4127586598" sldId="2147483661"/>
             <pc:sldLayoutMk cId="1337634028" sldId="2147483660"/>
           </pc:sldLayoutMkLst>
           <pc:picChg chg="del">
             <ac:chgData name="Scruel Tao" userId="5ea5c98d59b44d4b" providerId="LiveId" clId="{42F73B06-DA81-4C67-8473-07E158E9C79B}" dt="2023-04-25T02:47:33.665" v="42" actId="21"/>
             <ac:picMkLst>
               <pc:docMk/>
-              <pc:sldMasterMk cId="1766057859" sldId="2147483648"/>
+              <pc:sldMasterMk cId="4127586598" sldId="2147483661"/>
               <pc:sldLayoutMk cId="1337634028" sldId="2147483660"/>
               <ac:picMk id="19482" creationId="{8F2B9C9A-7CA4-5723-784E-DBADCF09186B}"/>
             </ac:picMkLst>
           </pc:picChg>
         </pc:sldLayoutChg>
       </pc:sldMasterChg>
-    </pc:docChg>
-  </pc:docChgLst>
-  <pc:docChgLst>
-    <pc:chgData name="Scruel Tao" userId="5ea5c98d59b44d4b" providerId="LiveId" clId="{88D73D01-CABB-4B2D-80EC-648726E3C219}"/>
-    <pc:docChg chg="addSld delSld modSld">
-      <pc:chgData name="Scruel Tao" userId="5ea5c98d59b44d4b" providerId="LiveId" clId="{88D73D01-CABB-4B2D-80EC-648726E3C219}" dt="2023-04-26T02:43:35.768" v="17" actId="20577"/>
-      <pc:docMkLst>
-        <pc:docMk/>
-      </pc:docMkLst>
-      <pc:sldChg chg="modSp add del mod">
-        <pc:chgData name="Scruel Tao" userId="5ea5c98d59b44d4b" providerId="LiveId" clId="{88D73D01-CABB-4B2D-80EC-648726E3C219}" dt="2023-04-26T02:43:35.768" v="17" actId="20577"/>
-        <pc:sldMkLst>
-          <pc:docMk/>
-          <pc:sldMk cId="1112998187" sldId="257"/>
-        </pc:sldMkLst>
-        <pc:spChg chg="mod">
-          <ac:chgData name="Scruel Tao" userId="5ea5c98d59b44d4b" providerId="LiveId" clId="{88D73D01-CABB-4B2D-80EC-648726E3C219}" dt="2023-04-26T02:43:35.768" v="17" actId="20577"/>
-          <ac:spMkLst>
-            <pc:docMk/>
-            <pc:sldMk cId="1112998187" sldId="257"/>
-            <ac:spMk id="2" creationId="{1422DFF6-0952-1023-64E3-97184D36BE3F}"/>
-          </ac:spMkLst>
-        </pc:spChg>
-      </pc:sldChg>
-      <pc:sldChg chg="del">
-        <pc:chgData name="Scruel Tao" userId="5ea5c98d59b44d4b" providerId="LiveId" clId="{88D73D01-CABB-4B2D-80EC-648726E3C219}" dt="2023-04-26T02:43:28.228" v="0" actId="47"/>
-        <pc:sldMkLst>
-          <pc:docMk/>
-          <pc:sldMk cId="1199684676" sldId="259"/>
-        </pc:sldMkLst>
-      </pc:sldChg>
-      <pc:sldChg chg="del">
-        <pc:chgData name="Scruel Tao" userId="5ea5c98d59b44d4b" providerId="LiveId" clId="{88D73D01-CABB-4B2D-80EC-648726E3C219}" dt="2023-04-26T02:43:28.228" v="0" actId="47"/>
-        <pc:sldMkLst>
-          <pc:docMk/>
-          <pc:sldMk cId="1751565490" sldId="276"/>
-        </pc:sldMkLst>
-      </pc:sldChg>
-      <pc:sldChg chg="add">
-        <pc:chgData name="Scruel Tao" userId="5ea5c98d59b44d4b" providerId="LiveId" clId="{88D73D01-CABB-4B2D-80EC-648726E3C219}" dt="2023-04-26T02:43:28.794" v="1"/>
-        <pc:sldMkLst>
-          <pc:docMk/>
-          <pc:sldMk cId="3519437269" sldId="279"/>
-        </pc:sldMkLst>
-      </pc:sldChg>
-      <pc:sldChg chg="add">
-        <pc:chgData name="Scruel Tao" userId="5ea5c98d59b44d4b" providerId="LiveId" clId="{88D73D01-CABB-4B2D-80EC-648726E3C219}" dt="2023-04-26T02:43:28.794" v="1"/>
-        <pc:sldMkLst>
-          <pc:docMk/>
-          <pc:sldMk cId="3745708182" sldId="280"/>
-        </pc:sldMkLst>
-      </pc:sldChg>
-      <pc:sldChg chg="add">
-        <pc:chgData name="Scruel Tao" userId="5ea5c98d59b44d4b" providerId="LiveId" clId="{88D73D01-CABB-4B2D-80EC-648726E3C219}" dt="2023-04-26T02:43:28.794" v="1"/>
-        <pc:sldMkLst>
-          <pc:docMk/>
-          <pc:sldMk cId="364430658" sldId="282"/>
-        </pc:sldMkLst>
-      </pc:sldChg>
     </pc:docChg>
   </pc:docChgLst>
   <pc:docChgLst>
@@ -4973,20 +4696,297 @@
           <pc:chgData name="Scruel Tao" userId="5ea5c98d59b44d4b" providerId="LiveId" clId="{327CE185-9CC5-4B92-8F68-491FC1CEB911}" dt="2023-05-16T03:56:11.311" v="7744" actId="478"/>
           <pc:sldLayoutMkLst>
             <pc:docMk/>
-            <pc:sldMasterMk cId="1766057859" sldId="2147483648"/>
+            <pc:sldMasterMk cId="4127586598" sldId="2147483661"/>
             <pc:sldLayoutMk cId="1337634028" sldId="2147483660"/>
           </pc:sldLayoutMkLst>
           <pc:spChg chg="del">
             <ac:chgData name="Scruel Tao" userId="5ea5c98d59b44d4b" providerId="LiveId" clId="{327CE185-9CC5-4B92-8F68-491FC1CEB911}" dt="2023-05-16T03:56:11.311" v="7744" actId="478"/>
             <ac:spMkLst>
               <pc:docMk/>
-              <pc:sldMasterMk cId="1766057859" sldId="2147483648"/>
+              <pc:sldMasterMk cId="4127586598" sldId="2147483661"/>
               <pc:sldLayoutMk cId="1337634028" sldId="2147483660"/>
               <ac:spMk id="19472" creationId="{BD0BF484-93B1-9A87-952A-7D5E9B29C38D}"/>
             </ac:spMkLst>
           </pc:spChg>
         </pc:sldLayoutChg>
       </pc:sldMasterChg>
+    </pc:docChg>
+  </pc:docChgLst>
+  <pc:docChgLst>
+    <pc:chgData name="Scruel Tao" userId="5ea5c98d59b44d4b" providerId="LiveId" clId="{87FBC7D8-1787-472E-943C-47DC06981038}"/>
+    <pc:docChg chg="undo custSel addSld delSld modSld sldOrd">
+      <pc:chgData name="Scruel Tao" userId="5ea5c98d59b44d4b" providerId="LiveId" clId="{87FBC7D8-1787-472E-943C-47DC06981038}" dt="2023-12-10T16:03:59.813" v="1043" actId="404"/>
+      <pc:docMkLst>
+        <pc:docMk/>
+      </pc:docMkLst>
+      <pc:sldChg chg="modSp mod">
+        <pc:chgData name="Scruel Tao" userId="5ea5c98d59b44d4b" providerId="LiveId" clId="{87FBC7D8-1787-472E-943C-47DC06981038}" dt="2023-12-02T11:05:34.989" v="1017" actId="20577"/>
+        <pc:sldMkLst>
+          <pc:docMk/>
+          <pc:sldMk cId="2449811789" sldId="286"/>
+        </pc:sldMkLst>
+        <pc:spChg chg="mod">
+          <ac:chgData name="Scruel Tao" userId="5ea5c98d59b44d4b" providerId="LiveId" clId="{87FBC7D8-1787-472E-943C-47DC06981038}" dt="2023-12-02T11:05:34.989" v="1017" actId="20577"/>
+          <ac:spMkLst>
+            <pc:docMk/>
+            <pc:sldMk cId="2449811789" sldId="286"/>
+            <ac:spMk id="4" creationId="{35A047B7-1977-6D79-E59E-4B1E2C174AC6}"/>
+          </ac:spMkLst>
+        </pc:spChg>
+      </pc:sldChg>
+      <pc:sldChg chg="modTransition modAnim">
+        <pc:chgData name="Scruel Tao" userId="5ea5c98d59b44d4b" providerId="LiveId" clId="{87FBC7D8-1787-472E-943C-47DC06981038}" dt="2023-12-03T14:19:33.952" v="1026"/>
+        <pc:sldMkLst>
+          <pc:docMk/>
+          <pc:sldMk cId="499574398" sldId="287"/>
+        </pc:sldMkLst>
+      </pc:sldChg>
+      <pc:sldChg chg="modSp mod">
+        <pc:chgData name="Scruel Tao" userId="5ea5c98d59b44d4b" providerId="LiveId" clId="{87FBC7D8-1787-472E-943C-47DC06981038}" dt="2023-12-02T10:40:26.223" v="29" actId="20577"/>
+        <pc:sldMkLst>
+          <pc:docMk/>
+          <pc:sldMk cId="2444493676" sldId="288"/>
+        </pc:sldMkLst>
+        <pc:spChg chg="mod">
+          <ac:chgData name="Scruel Tao" userId="5ea5c98d59b44d4b" providerId="LiveId" clId="{87FBC7D8-1787-472E-943C-47DC06981038}" dt="2023-12-02T10:40:26.223" v="29" actId="20577"/>
+          <ac:spMkLst>
+            <pc:docMk/>
+            <pc:sldMk cId="2444493676" sldId="288"/>
+            <ac:spMk id="4" creationId="{35A047B7-1977-6D79-E59E-4B1E2C174AC6}"/>
+          </ac:spMkLst>
+        </pc:spChg>
+      </pc:sldChg>
+      <pc:sldChg chg="modNotesTx">
+        <pc:chgData name="Scruel Tao" userId="5ea5c98d59b44d4b" providerId="LiveId" clId="{87FBC7D8-1787-472E-943C-47DC06981038}" dt="2023-12-10T16:03:59.813" v="1043" actId="404"/>
+        <pc:sldMkLst>
+          <pc:docMk/>
+          <pc:sldMk cId="1662673146" sldId="289"/>
+        </pc:sldMkLst>
+      </pc:sldChg>
+      <pc:sldChg chg="modAnim">
+        <pc:chgData name="Scruel Tao" userId="5ea5c98d59b44d4b" providerId="LiveId" clId="{87FBC7D8-1787-472E-943C-47DC06981038}" dt="2023-12-03T10:58:10.020" v="1025"/>
+        <pc:sldMkLst>
+          <pc:docMk/>
+          <pc:sldMk cId="2447875928" sldId="312"/>
+        </pc:sldMkLst>
+      </pc:sldChg>
+      <pc:sldChg chg="modTransition">
+        <pc:chgData name="Scruel Tao" userId="5ea5c98d59b44d4b" providerId="LiveId" clId="{87FBC7D8-1787-472E-943C-47DC06981038}" dt="2023-12-10T16:02:48.433" v="1030"/>
+        <pc:sldMkLst>
+          <pc:docMk/>
+          <pc:sldMk cId="192508411" sldId="367"/>
+        </pc:sldMkLst>
+      </pc:sldChg>
+      <pc:sldChg chg="modAnim">
+        <pc:chgData name="Scruel Tao" userId="5ea5c98d59b44d4b" providerId="LiveId" clId="{87FBC7D8-1787-472E-943C-47DC06981038}" dt="2023-12-03T10:47:15.648" v="1020"/>
+        <pc:sldMkLst>
+          <pc:docMk/>
+          <pc:sldMk cId="426589406" sldId="370"/>
+        </pc:sldMkLst>
+      </pc:sldChg>
+      <pc:sldChg chg="addSp modSp add del mod">
+        <pc:chgData name="Scruel Tao" userId="5ea5c98d59b44d4b" providerId="LiveId" clId="{87FBC7D8-1787-472E-943C-47DC06981038}" dt="2023-12-02T10:52:05.848" v="538" actId="2696"/>
+        <pc:sldMkLst>
+          <pc:docMk/>
+          <pc:sldMk cId="2801260379" sldId="372"/>
+        </pc:sldMkLst>
+        <pc:spChg chg="mod">
+          <ac:chgData name="Scruel Tao" userId="5ea5c98d59b44d4b" providerId="LiveId" clId="{87FBC7D8-1787-472E-943C-47DC06981038}" dt="2023-12-02T10:41:53.238" v="43" actId="20577"/>
+          <ac:spMkLst>
+            <pc:docMk/>
+            <pc:sldMk cId="2801260379" sldId="372"/>
+            <ac:spMk id="2" creationId="{BAD162F0-2175-84E9-2387-55F669162449}"/>
+          </ac:spMkLst>
+        </pc:spChg>
+        <pc:spChg chg="add mod">
+          <ac:chgData name="Scruel Tao" userId="5ea5c98d59b44d4b" providerId="LiveId" clId="{87FBC7D8-1787-472E-943C-47DC06981038}" dt="2023-12-02T10:45:08.838" v="189" actId="20577"/>
+          <ac:spMkLst>
+            <pc:docMk/>
+            <pc:sldMk cId="2801260379" sldId="372"/>
+            <ac:spMk id="3" creationId="{2DD25971-C353-209F-CE81-11A47B5E5F68}"/>
+          </ac:spMkLst>
+        </pc:spChg>
+        <pc:spChg chg="mod">
+          <ac:chgData name="Scruel Tao" userId="5ea5c98d59b44d4b" providerId="LiveId" clId="{87FBC7D8-1787-472E-943C-47DC06981038}" dt="2023-12-02T10:44:26.681" v="175" actId="21"/>
+          <ac:spMkLst>
+            <pc:docMk/>
+            <pc:sldMk cId="2801260379" sldId="372"/>
+            <ac:spMk id="4" creationId="{35A047B7-1977-6D79-E59E-4B1E2C174AC6}"/>
+          </ac:spMkLst>
+        </pc:spChg>
+      </pc:sldChg>
+      <pc:sldChg chg="addSp modSp add del mod">
+        <pc:chgData name="Scruel Tao" userId="5ea5c98d59b44d4b" providerId="LiveId" clId="{87FBC7D8-1787-472E-943C-47DC06981038}" dt="2023-12-02T10:52:35.741" v="567" actId="2696"/>
+        <pc:sldMkLst>
+          <pc:docMk/>
+          <pc:sldMk cId="185757271" sldId="373"/>
+        </pc:sldMkLst>
+        <pc:spChg chg="mod">
+          <ac:chgData name="Scruel Tao" userId="5ea5c98d59b44d4b" providerId="LiveId" clId="{87FBC7D8-1787-472E-943C-47DC06981038}" dt="2023-12-02T10:51:03.052" v="484" actId="1036"/>
+          <ac:spMkLst>
+            <pc:docMk/>
+            <pc:sldMk cId="185757271" sldId="373"/>
+            <ac:spMk id="3" creationId="{2DD25971-C353-209F-CE81-11A47B5E5F68}"/>
+          </ac:spMkLst>
+        </pc:spChg>
+        <pc:spChg chg="mod">
+          <ac:chgData name="Scruel Tao" userId="5ea5c98d59b44d4b" providerId="LiveId" clId="{87FBC7D8-1787-472E-943C-47DC06981038}" dt="2023-12-02T10:51:21.556" v="510" actId="21"/>
+          <ac:spMkLst>
+            <pc:docMk/>
+            <pc:sldMk cId="185757271" sldId="373"/>
+            <ac:spMk id="4" creationId="{35A047B7-1977-6D79-E59E-4B1E2C174AC6}"/>
+          </ac:spMkLst>
+        </pc:spChg>
+        <pc:spChg chg="add mod">
+          <ac:chgData name="Scruel Tao" userId="5ea5c98d59b44d4b" providerId="LiveId" clId="{87FBC7D8-1787-472E-943C-47DC06981038}" dt="2023-12-02T10:52:01.710" v="537" actId="20577"/>
+          <ac:spMkLst>
+            <pc:docMk/>
+            <pc:sldMk cId="185757271" sldId="373"/>
+            <ac:spMk id="5" creationId="{B0DF5B52-3815-DC6E-74CF-C54B79B7FBDB}"/>
+          </ac:spMkLst>
+        </pc:spChg>
+      </pc:sldChg>
+      <pc:sldChg chg="modSp add mod ord modTransition">
+        <pc:chgData name="Scruel Tao" userId="5ea5c98d59b44d4b" providerId="LiveId" clId="{87FBC7D8-1787-472E-943C-47DC06981038}" dt="2023-12-03T14:19:43.448" v="1027"/>
+        <pc:sldMkLst>
+          <pc:docMk/>
+          <pc:sldMk cId="1241296236" sldId="374"/>
+        </pc:sldMkLst>
+        <pc:spChg chg="mod">
+          <ac:chgData name="Scruel Tao" userId="5ea5c98d59b44d4b" providerId="LiveId" clId="{87FBC7D8-1787-472E-943C-47DC06981038}" dt="2023-12-02T10:56:25.449" v="777"/>
+          <ac:spMkLst>
+            <pc:docMk/>
+            <pc:sldMk cId="1241296236" sldId="374"/>
+            <ac:spMk id="2" creationId="{BAD162F0-2175-84E9-2387-55F669162449}"/>
+          </ac:spMkLst>
+        </pc:spChg>
+        <pc:spChg chg="mod">
+          <ac:chgData name="Scruel Tao" userId="5ea5c98d59b44d4b" providerId="LiveId" clId="{87FBC7D8-1787-472E-943C-47DC06981038}" dt="2023-12-02T10:54:06.871" v="653" actId="20577"/>
+          <ac:spMkLst>
+            <pc:docMk/>
+            <pc:sldMk cId="1241296236" sldId="374"/>
+            <ac:spMk id="3" creationId="{2DD25971-C353-209F-CE81-11A47B5E5F68}"/>
+          </ac:spMkLst>
+        </pc:spChg>
+        <pc:spChg chg="mod">
+          <ac:chgData name="Scruel Tao" userId="5ea5c98d59b44d4b" providerId="LiveId" clId="{87FBC7D8-1787-472E-943C-47DC06981038}" dt="2023-12-02T11:03:42.308" v="996"/>
+          <ac:spMkLst>
+            <pc:docMk/>
+            <pc:sldMk cId="1241296236" sldId="374"/>
+            <ac:spMk id="4" creationId="{35A047B7-1977-6D79-E59E-4B1E2C174AC6}"/>
+          </ac:spMkLst>
+        </pc:spChg>
+        <pc:spChg chg="mod">
+          <ac:chgData name="Scruel Tao" userId="5ea5c98d59b44d4b" providerId="LiveId" clId="{87FBC7D8-1787-472E-943C-47DC06981038}" dt="2023-12-02T10:54:00.908" v="649" actId="20577"/>
+          <ac:spMkLst>
+            <pc:docMk/>
+            <pc:sldMk cId="1241296236" sldId="374"/>
+            <ac:spMk id="5" creationId="{B0DF5B52-3815-DC6E-74CF-C54B79B7FBDB}"/>
+          </ac:spMkLst>
+        </pc:spChg>
+      </pc:sldChg>
+      <pc:sldChg chg="modSp add mod modAnim">
+        <pc:chgData name="Scruel Tao" userId="5ea5c98d59b44d4b" providerId="LiveId" clId="{87FBC7D8-1787-472E-943C-47DC06981038}" dt="2023-12-02T11:04:39.279" v="1011" actId="20577"/>
+        <pc:sldMkLst>
+          <pc:docMk/>
+          <pc:sldMk cId="536485722" sldId="375"/>
+        </pc:sldMkLst>
+        <pc:spChg chg="mod">
+          <ac:chgData name="Scruel Tao" userId="5ea5c98d59b44d4b" providerId="LiveId" clId="{87FBC7D8-1787-472E-943C-47DC06981038}" dt="2023-12-02T10:56:23.969" v="776"/>
+          <ac:spMkLst>
+            <pc:docMk/>
+            <pc:sldMk cId="536485722" sldId="375"/>
+            <ac:spMk id="2" creationId="{BAD162F0-2175-84E9-2387-55F669162449}"/>
+          </ac:spMkLst>
+        </pc:spChg>
+        <pc:spChg chg="mod">
+          <ac:chgData name="Scruel Tao" userId="5ea5c98d59b44d4b" providerId="LiveId" clId="{87FBC7D8-1787-472E-943C-47DC06981038}" dt="2023-12-02T11:04:39.279" v="1011" actId="20577"/>
+          <ac:spMkLst>
+            <pc:docMk/>
+            <pc:sldMk cId="536485722" sldId="375"/>
+            <ac:spMk id="3" creationId="{2DD25971-C353-209F-CE81-11A47B5E5F68}"/>
+          </ac:spMkLst>
+        </pc:spChg>
+        <pc:spChg chg="mod">
+          <ac:chgData name="Scruel Tao" userId="5ea5c98d59b44d4b" providerId="LiveId" clId="{87FBC7D8-1787-472E-943C-47DC06981038}" dt="2023-12-02T11:04:20.718" v="1003"/>
+          <ac:spMkLst>
+            <pc:docMk/>
+            <pc:sldMk cId="536485722" sldId="375"/>
+            <ac:spMk id="4" creationId="{35A047B7-1977-6D79-E59E-4B1E2C174AC6}"/>
+          </ac:spMkLst>
+        </pc:spChg>
+      </pc:sldChg>
+      <pc:sldChg chg="addSp delSp modSp add mod modTransition modAnim">
+        <pc:chgData name="Scruel Tao" userId="5ea5c98d59b44d4b" providerId="LiveId" clId="{87FBC7D8-1787-472E-943C-47DC06981038}" dt="2023-12-10T16:01:08.844" v="1028"/>
+        <pc:sldMkLst>
+          <pc:docMk/>
+          <pc:sldMk cId="3770904364" sldId="376"/>
+        </pc:sldMkLst>
+        <pc:spChg chg="mod">
+          <ac:chgData name="Scruel Tao" userId="5ea5c98d59b44d4b" providerId="LiveId" clId="{87FBC7D8-1787-472E-943C-47DC06981038}" dt="2023-12-02T11:00:13.478" v="867"/>
+          <ac:spMkLst>
+            <pc:docMk/>
+            <pc:sldMk cId="3770904364" sldId="376"/>
+            <ac:spMk id="2" creationId="{BAD162F0-2175-84E9-2387-55F669162449}"/>
+          </ac:spMkLst>
+        </pc:spChg>
+        <pc:spChg chg="del">
+          <ac:chgData name="Scruel Tao" userId="5ea5c98d59b44d4b" providerId="LiveId" clId="{87FBC7D8-1787-472E-943C-47DC06981038}" dt="2023-12-02T10:57:42.496" v="778" actId="21"/>
+          <ac:spMkLst>
+            <pc:docMk/>
+            <pc:sldMk cId="3770904364" sldId="376"/>
+            <ac:spMk id="3" creationId="{2DD25971-C353-209F-CE81-11A47B5E5F68}"/>
+          </ac:spMkLst>
+        </pc:spChg>
+        <pc:spChg chg="mod">
+          <ac:chgData name="Scruel Tao" userId="5ea5c98d59b44d4b" providerId="LiveId" clId="{87FBC7D8-1787-472E-943C-47DC06981038}" dt="2023-12-02T11:03:39.037" v="995"/>
+          <ac:spMkLst>
+            <pc:docMk/>
+            <pc:sldMk cId="3770904364" sldId="376"/>
+            <ac:spMk id="4" creationId="{35A047B7-1977-6D79-E59E-4B1E2C174AC6}"/>
+          </ac:spMkLst>
+        </pc:spChg>
+        <pc:spChg chg="mod">
+          <ac:chgData name="Scruel Tao" userId="5ea5c98d59b44d4b" providerId="LiveId" clId="{87FBC7D8-1787-472E-943C-47DC06981038}" dt="2023-12-02T11:01:27.487" v="933" actId="1076"/>
+          <ac:spMkLst>
+            <pc:docMk/>
+            <pc:sldMk cId="3770904364" sldId="376"/>
+            <ac:spMk id="5" creationId="{B0DF5B52-3815-DC6E-74CF-C54B79B7FBDB}"/>
+          </ac:spMkLst>
+        </pc:spChg>
+        <pc:spChg chg="add del mod">
+          <ac:chgData name="Scruel Tao" userId="5ea5c98d59b44d4b" providerId="LiveId" clId="{87FBC7D8-1787-472E-943C-47DC06981038}" dt="2023-12-02T11:00:58.978" v="927" actId="21"/>
+          <ac:spMkLst>
+            <pc:docMk/>
+            <pc:sldMk cId="3770904364" sldId="376"/>
+            <ac:spMk id="6" creationId="{3551BC3A-F407-90F2-DD99-024FCD85E99D}"/>
+          </ac:spMkLst>
+        </pc:spChg>
+        <pc:spChg chg="add mod">
+          <ac:chgData name="Scruel Tao" userId="5ea5c98d59b44d4b" providerId="LiveId" clId="{87FBC7D8-1787-472E-943C-47DC06981038}" dt="2023-12-02T10:58:42.838" v="812" actId="571"/>
+          <ac:spMkLst>
+            <pc:docMk/>
+            <pc:sldMk cId="3770904364" sldId="376"/>
+            <ac:spMk id="7" creationId="{A49D531F-63E0-C93D-CB15-6FD45C45CA9A}"/>
+          </ac:spMkLst>
+        </pc:spChg>
+        <pc:spChg chg="add mod">
+          <ac:chgData name="Scruel Tao" userId="5ea5c98d59b44d4b" providerId="LiveId" clId="{87FBC7D8-1787-472E-943C-47DC06981038}" dt="2023-12-02T11:02:39.312" v="994" actId="1076"/>
+          <ac:spMkLst>
+            <pc:docMk/>
+            <pc:sldMk cId="3770904364" sldId="376"/>
+            <ac:spMk id="8" creationId="{C9776988-5C5F-F1F0-DDE7-96C1C4AF22DE}"/>
+          </ac:spMkLst>
+        </pc:spChg>
+        <pc:spChg chg="add mod">
+          <ac:chgData name="Scruel Tao" userId="5ea5c98d59b44d4b" providerId="LiveId" clId="{87FBC7D8-1787-472E-943C-47DC06981038}" dt="2023-12-02T11:02:29.168" v="993" actId="14100"/>
+          <ac:spMkLst>
+            <pc:docMk/>
+            <pc:sldMk cId="3770904364" sldId="376"/>
+            <ac:spMk id="10" creationId="{B46E5FBC-D84E-920C-5CDD-64E73C676832}"/>
+          </ac:spMkLst>
+        </pc:spChg>
+      </pc:sldChg>
     </pc:docChg>
   </pc:docChgLst>
 </pc:chgInfo>
@@ -5086,7 +5086,7 @@
           <a:p>
             <a:fld id="{AC7E1972-C479-4420-A687-8FB83BA90DEB}" type="datetimeFigureOut">
               <a:rPr lang="zh-CN" altLang="en-US" smtClean="0"/>
-              <a:t>2023/12/11</a:t>
+              <a:t>2025/6/6 Fri</a:t>
             </a:fld>
             <a:endParaRPr lang="zh-CN" altLang="en-US"/>
           </a:p>
@@ -5263,7 +5263,7 @@
           <a:p>
             <a:fld id="{89B7AB8D-BCC0-43C6-B24C-055A25DB558F}" type="datetimeFigureOut">
               <a:rPr lang="zh-CN" altLang="en-US" smtClean="0"/>
-              <a:t>2023/12/10</a:t>
+              <a:t>2025/6/6 Fri</a:t>
             </a:fld>
             <a:endParaRPr lang="zh-CN" altLang="en-US"/>
           </a:p>
@@ -5587,31 +5587,6 @@
           </a:p>
         </p:txBody>
       </p:sp>
-      <p:sp>
-        <p:nvSpPr>
-          <p:cNvPr id="3" name="备注占位符 2">
-            <a:extLst>
-              <a:ext uri="{FF2B5EF4-FFF2-40B4-BE49-F238E27FC236}">
-                <a16:creationId xmlns:a16="http://schemas.microsoft.com/office/drawing/2014/main" id="{7BADD228-10C2-16A8-2FCF-53F6A2DBDC61}"/>
-              </a:ext>
-            </a:extLst>
-          </p:cNvPr>
-          <p:cNvSpPr>
-            <a:spLocks noGrp="1"/>
-          </p:cNvSpPr>
-          <p:nvPr>
-            <p:ph type="body" idx="1"/>
-          </p:nvPr>
-        </p:nvSpPr>
-        <p:spPr/>
-        <p:txBody>
-          <a:bodyPr/>
-          <a:lstStyle/>
-          <a:p>
-            <a:endParaRPr lang="zh-CN" altLang="en-US" dirty="0"/>
-          </a:p>
-        </p:txBody>
-      </p:sp>
     </p:spTree>
   </p:cSld>
   <p:clrMapOvr>
@@ -8906,7 +8881,7 @@
           <a:p>
             <a:fld id="{F721228B-0167-4061-A906-8575043315EE}" type="datetimeFigureOut">
               <a:rPr lang="zh-CN" altLang="en-US" smtClean="0"/>
-              <a:t>2023/12/11</a:t>
+              <a:t>2025/6/6 Fri</a:t>
             </a:fld>
             <a:endParaRPr lang="zh-CN" altLang="en-US"/>
           </a:p>
@@ -8969,7 +8944,7 @@
     </p:spTree>
     <p:extLst>
       <p:ext uri="{BB962C8B-B14F-4D97-AF65-F5344CB8AC3E}">
-        <p14:creationId xmlns:p14="http://schemas.microsoft.com/office/powerpoint/2010/main" val="2187492797"/>
+        <p14:creationId xmlns:p14="http://schemas.microsoft.com/office/powerpoint/2010/main" val="3408842727"/>
       </p:ext>
     </p:extLst>
   </p:cSld>
@@ -9116,7 +9091,7 @@
           <a:p>
             <a:fld id="{F721228B-0167-4061-A906-8575043315EE}" type="datetimeFigureOut">
               <a:rPr lang="zh-CN" altLang="en-US" smtClean="0"/>
-              <a:t>2023/12/11</a:t>
+              <a:t>2025/6/6 Fri</a:t>
             </a:fld>
             <a:endParaRPr lang="zh-CN" altLang="en-US"/>
           </a:p>
@@ -9179,7 +9154,7 @@
     </p:spTree>
     <p:extLst>
       <p:ext uri="{BB962C8B-B14F-4D97-AF65-F5344CB8AC3E}">
-        <p14:creationId xmlns:p14="http://schemas.microsoft.com/office/powerpoint/2010/main" val="3533658407"/>
+        <p14:creationId xmlns:p14="http://schemas.microsoft.com/office/powerpoint/2010/main" val="3055833360"/>
       </p:ext>
     </p:extLst>
   </p:cSld>
@@ -9336,7 +9311,7 @@
           <a:p>
             <a:fld id="{F721228B-0167-4061-A906-8575043315EE}" type="datetimeFigureOut">
               <a:rPr lang="zh-CN" altLang="en-US" smtClean="0"/>
-              <a:t>2023/12/11</a:t>
+              <a:t>2025/6/6 Fri</a:t>
             </a:fld>
             <a:endParaRPr lang="zh-CN" altLang="en-US"/>
           </a:p>
@@ -9399,7 +9374,7 @@
     </p:spTree>
     <p:extLst>
       <p:ext uri="{BB962C8B-B14F-4D97-AF65-F5344CB8AC3E}">
-        <p14:creationId xmlns:p14="http://schemas.microsoft.com/office/powerpoint/2010/main" val="1976972956"/>
+        <p14:creationId xmlns:p14="http://schemas.microsoft.com/office/powerpoint/2010/main" val="3898433553"/>
       </p:ext>
     </p:extLst>
   </p:cSld>
@@ -9422,8 +9397,472 @@
 </file>
 
 <file path=ppt/slideLayouts/slideLayout12.xml><?xml version="1.0" encoding="utf-8"?>
+<p:sldLayout xmlns:a="http://schemas.openxmlformats.org/drawingml/2006/main" xmlns:r="http://schemas.openxmlformats.org/officeDocument/2006/relationships" xmlns:p="http://schemas.openxmlformats.org/presentationml/2006/main" showMasterSp="0" preserve="1" userDrawn="1">
+  <p:cSld name="1_标题幻灯片">
+    <p:spTree>
+      <p:nvGrpSpPr>
+        <p:cNvPr id="1" name=""/>
+        <p:cNvGrpSpPr/>
+        <p:nvPr/>
+      </p:nvGrpSpPr>
+      <p:grpSpPr>
+        <a:xfrm>
+          <a:off x="0" y="0"/>
+          <a:ext cx="0" cy="0"/>
+          <a:chOff x="0" y="0"/>
+          <a:chExt cx="0" cy="0"/>
+        </a:xfrm>
+      </p:grpSpPr>
+      <p:sp>
+        <p:nvSpPr>
+          <p:cNvPr id="19483" name="Rectangle 27">
+            <a:extLst>
+              <a:ext uri="{FF2B5EF4-FFF2-40B4-BE49-F238E27FC236}">
+                <a16:creationId xmlns:a16="http://schemas.microsoft.com/office/drawing/2014/main" id="{FFE563FA-4880-391C-43FD-EF34392B9FBB}"/>
+              </a:ext>
+            </a:extLst>
+          </p:cNvPr>
+          <p:cNvSpPr>
+            <a:spLocks noChangeArrowheads="1"/>
+          </p:cNvSpPr>
+          <p:nvPr userDrawn="1"/>
+        </p:nvSpPr>
+        <p:spPr bwMode="auto">
+          <a:xfrm>
+            <a:off x="2641600" y="4191000"/>
+            <a:ext cx="7416800" cy="2209800"/>
+          </a:xfrm>
+          <a:prstGeom prst="rect">
+            <a:avLst/>
+          </a:prstGeom>
+          <a:noFill/>
+          <a:ln>
+            <a:noFill/>
+          </a:ln>
+          <a:effectLst/>
+          <a:extLst>
+            <a:ext uri="{909E8E84-426E-40DD-AFC4-6F175D3DCCD1}">
+              <a14:hiddenFill xmlns:a14="http://schemas.microsoft.com/office/drawing/2010/main">
+                <a:solidFill>
+                  <a:schemeClr val="accent1"/>
+                </a:solidFill>
+              </a14:hiddenFill>
+            </a:ext>
+            <a:ext uri="{91240B29-F687-4F45-9708-019B960494DF}">
+              <a14:hiddenLine xmlns:a14="http://schemas.microsoft.com/office/drawing/2010/main" w="9525">
+                <a:solidFill>
+                  <a:schemeClr val="tx1"/>
+                </a:solidFill>
+                <a:miter lim="800000"/>
+                <a:headEnd/>
+                <a:tailEnd/>
+              </a14:hiddenLine>
+            </a:ext>
+            <a:ext uri="{AF507438-7753-43E0-B8FC-AC1667EBCBE1}">
+              <a14:hiddenEffects xmlns:a14="http://schemas.microsoft.com/office/drawing/2010/main">
+                <a:effectLst>
+                  <a:outerShdw dist="35921" dir="2700000" algn="ctr" rotWithShape="0">
+                    <a:schemeClr val="bg2"/>
+                  </a:outerShdw>
+                </a:effectLst>
+              </a14:hiddenEffects>
+            </a:ext>
+          </a:extLst>
+        </p:spPr>
+        <p:txBody>
+          <a:bodyPr/>
+          <a:lstStyle>
+            <a:lvl1pPr marL="287338" indent="-287338" eaLnBrk="0" hangingPunct="0">
+              <a:spcBef>
+                <a:spcPct val="0"/>
+              </a:spcBef>
+              <a:defRPr kumimoji="1" sz="2400">
+                <a:solidFill>
+                  <a:schemeClr val="tx1"/>
+                </a:solidFill>
+                <a:latin typeface="Times New Roman" panose="02020603050405020304" pitchFamily="18" charset="0"/>
+              </a:defRPr>
+            </a:lvl1pPr>
+            <a:lvl2pPr marL="744538" indent="-287338" eaLnBrk="0" hangingPunct="0">
+              <a:spcBef>
+                <a:spcPct val="0"/>
+              </a:spcBef>
+              <a:defRPr kumimoji="1" sz="2400">
+                <a:solidFill>
+                  <a:schemeClr val="tx1"/>
+                </a:solidFill>
+                <a:latin typeface="Times New Roman" panose="02020603050405020304" pitchFamily="18" charset="0"/>
+              </a:defRPr>
+            </a:lvl2pPr>
+            <a:lvl3pPr eaLnBrk="0" hangingPunct="0">
+              <a:spcBef>
+                <a:spcPct val="0"/>
+              </a:spcBef>
+              <a:defRPr kumimoji="1" sz="2400">
+                <a:solidFill>
+                  <a:schemeClr val="tx1"/>
+                </a:solidFill>
+                <a:latin typeface="Times New Roman" panose="02020603050405020304" pitchFamily="18" charset="0"/>
+              </a:defRPr>
+            </a:lvl3pPr>
+            <a:lvl4pPr eaLnBrk="0" hangingPunct="0">
+              <a:spcBef>
+                <a:spcPct val="0"/>
+              </a:spcBef>
+              <a:defRPr kumimoji="1" sz="2400">
+                <a:solidFill>
+                  <a:schemeClr val="tx1"/>
+                </a:solidFill>
+                <a:latin typeface="Times New Roman" panose="02020603050405020304" pitchFamily="18" charset="0"/>
+              </a:defRPr>
+            </a:lvl4pPr>
+            <a:lvl5pPr eaLnBrk="0" hangingPunct="0">
+              <a:spcBef>
+                <a:spcPct val="0"/>
+              </a:spcBef>
+              <a:defRPr kumimoji="1" sz="2400">
+                <a:solidFill>
+                  <a:schemeClr val="tx1"/>
+                </a:solidFill>
+                <a:latin typeface="Times New Roman" panose="02020603050405020304" pitchFamily="18" charset="0"/>
+              </a:defRPr>
+            </a:lvl5pPr>
+            <a:lvl6pPr eaLnBrk="0" fontAlgn="base" hangingPunct="0">
+              <a:spcBef>
+                <a:spcPct val="0"/>
+              </a:spcBef>
+              <a:spcAft>
+                <a:spcPct val="0"/>
+              </a:spcAft>
+              <a:defRPr kumimoji="1" sz="2400">
+                <a:solidFill>
+                  <a:schemeClr val="tx1"/>
+                </a:solidFill>
+                <a:latin typeface="Times New Roman" panose="02020603050405020304" pitchFamily="18" charset="0"/>
+              </a:defRPr>
+            </a:lvl6pPr>
+            <a:lvl7pPr eaLnBrk="0" fontAlgn="base" hangingPunct="0">
+              <a:spcBef>
+                <a:spcPct val="0"/>
+              </a:spcBef>
+              <a:spcAft>
+                <a:spcPct val="0"/>
+              </a:spcAft>
+              <a:defRPr kumimoji="1" sz="2400">
+                <a:solidFill>
+                  <a:schemeClr val="tx1"/>
+                </a:solidFill>
+                <a:latin typeface="Times New Roman" panose="02020603050405020304" pitchFamily="18" charset="0"/>
+              </a:defRPr>
+            </a:lvl7pPr>
+            <a:lvl8pPr eaLnBrk="0" fontAlgn="base" hangingPunct="0">
+              <a:spcBef>
+                <a:spcPct val="0"/>
+              </a:spcBef>
+              <a:spcAft>
+                <a:spcPct val="0"/>
+              </a:spcAft>
+              <a:defRPr kumimoji="1" sz="2400">
+                <a:solidFill>
+                  <a:schemeClr val="tx1"/>
+                </a:solidFill>
+                <a:latin typeface="Times New Roman" panose="02020603050405020304" pitchFamily="18" charset="0"/>
+              </a:defRPr>
+            </a:lvl8pPr>
+            <a:lvl9pPr eaLnBrk="0" fontAlgn="base" hangingPunct="0">
+              <a:spcBef>
+                <a:spcPct val="0"/>
+              </a:spcBef>
+              <a:spcAft>
+                <a:spcPct val="0"/>
+              </a:spcAft>
+              <a:defRPr kumimoji="1" sz="2400">
+                <a:solidFill>
+                  <a:schemeClr val="tx1"/>
+                </a:solidFill>
+                <a:latin typeface="Times New Roman" panose="02020603050405020304" pitchFamily="18" charset="0"/>
+              </a:defRPr>
+            </a:lvl9pPr>
+          </a:lstStyle>
+          <a:p>
+            <a:pPr eaLnBrk="1" hangingPunct="1">
+              <a:lnSpc>
+                <a:spcPct val="102000"/>
+              </a:lnSpc>
+              <a:spcBef>
+                <a:spcPct val="20000"/>
+              </a:spcBef>
+              <a:buClr>
+                <a:srgbClr val="808080"/>
+              </a:buClr>
+              <a:buSzPct val="60000"/>
+            </a:pPr>
+            <a:endParaRPr kumimoji="0" lang="en-GB" altLang="zh-CN" sz="1600">
+              <a:latin typeface="Verdana" panose="020B0604030504040204" pitchFamily="34" charset="0"/>
+            </a:endParaRPr>
+          </a:p>
+        </p:txBody>
+      </p:sp>
+    </p:spTree>
+    <p:extLst>
+      <p:ext uri="{BB962C8B-B14F-4D97-AF65-F5344CB8AC3E}">
+        <p14:creationId xmlns:p14="http://schemas.microsoft.com/office/powerpoint/2010/main" val="2803688889"/>
+      </p:ext>
+    </p:extLst>
+  </p:cSld>
+  <p:clrMapOvr>
+    <a:masterClrMapping/>
+  </p:clrMapOvr>
+  <mc:AlternateContent xmlns:mc="http://schemas.openxmlformats.org/markup-compatibility/2006" xmlns:p14="http://schemas.microsoft.com/office/powerpoint/2010/main">
+    <mc:Choice Requires="p14">
+      <p:transition spd="med" p14:dur="700">
+        <p:fade/>
+      </p:transition>
+    </mc:Choice>
+    <mc:Fallback xmlns="">
+      <p:transition spd="med">
+        <p:fade/>
+      </p:transition>
+    </mc:Fallback>
+  </mc:AlternateContent>
+</p:sldLayout>
+</file>
+
+<file path=ppt/slideLayouts/slideLayout13.xml><?xml version="1.0" encoding="utf-8"?>
+<p:sldLayout xmlns:a="http://schemas.openxmlformats.org/drawingml/2006/main" xmlns:r="http://schemas.openxmlformats.org/officeDocument/2006/relationships" xmlns:p="http://schemas.openxmlformats.org/presentationml/2006/main" showMasterSp="0" preserve="1" userDrawn="1">
+  <p:cSld name="2_标题幻灯片">
+    <p:spTree>
+      <p:nvGrpSpPr>
+        <p:cNvPr id="1" name=""/>
+        <p:cNvGrpSpPr/>
+        <p:nvPr/>
+      </p:nvGrpSpPr>
+      <p:grpSpPr>
+        <a:xfrm>
+          <a:off x="0" y="0"/>
+          <a:ext cx="0" cy="0"/>
+          <a:chOff x="0" y="0"/>
+          <a:chExt cx="0" cy="0"/>
+        </a:xfrm>
+      </p:grpSpPr>
+      <p:sp>
+        <p:nvSpPr>
+          <p:cNvPr id="19483" name="Rectangle 27">
+            <a:extLst>
+              <a:ext uri="{FF2B5EF4-FFF2-40B4-BE49-F238E27FC236}">
+                <a16:creationId xmlns:a16="http://schemas.microsoft.com/office/drawing/2014/main" id="{FFE563FA-4880-391C-43FD-EF34392B9FBB}"/>
+              </a:ext>
+            </a:extLst>
+          </p:cNvPr>
+          <p:cNvSpPr>
+            <a:spLocks noChangeArrowheads="1"/>
+          </p:cNvSpPr>
+          <p:nvPr userDrawn="1"/>
+        </p:nvSpPr>
+        <p:spPr bwMode="auto">
+          <a:xfrm>
+            <a:off x="2641600" y="4191000"/>
+            <a:ext cx="7416800" cy="2209800"/>
+          </a:xfrm>
+          <a:prstGeom prst="rect">
+            <a:avLst/>
+          </a:prstGeom>
+          <a:noFill/>
+          <a:ln>
+            <a:noFill/>
+          </a:ln>
+          <a:effectLst/>
+          <a:extLst>
+            <a:ext uri="{909E8E84-426E-40DD-AFC4-6F175D3DCCD1}">
+              <a14:hiddenFill xmlns:a14="http://schemas.microsoft.com/office/drawing/2010/main">
+                <a:solidFill>
+                  <a:schemeClr val="accent1"/>
+                </a:solidFill>
+              </a14:hiddenFill>
+            </a:ext>
+            <a:ext uri="{91240B29-F687-4F45-9708-019B960494DF}">
+              <a14:hiddenLine xmlns:a14="http://schemas.microsoft.com/office/drawing/2010/main" w="9525">
+                <a:solidFill>
+                  <a:schemeClr val="tx1"/>
+                </a:solidFill>
+                <a:miter lim="800000"/>
+                <a:headEnd/>
+                <a:tailEnd/>
+              </a14:hiddenLine>
+            </a:ext>
+            <a:ext uri="{AF507438-7753-43E0-B8FC-AC1667EBCBE1}">
+              <a14:hiddenEffects xmlns:a14="http://schemas.microsoft.com/office/drawing/2010/main">
+                <a:effectLst>
+                  <a:outerShdw dist="35921" dir="2700000" algn="ctr" rotWithShape="0">
+                    <a:schemeClr val="bg2"/>
+                  </a:outerShdw>
+                </a:effectLst>
+              </a14:hiddenEffects>
+            </a:ext>
+          </a:extLst>
+        </p:spPr>
+        <p:txBody>
+          <a:bodyPr/>
+          <a:lstStyle>
+            <a:lvl1pPr marL="287338" indent="-287338" eaLnBrk="0" hangingPunct="0">
+              <a:spcBef>
+                <a:spcPct val="0"/>
+              </a:spcBef>
+              <a:defRPr kumimoji="1" sz="2400">
+                <a:solidFill>
+                  <a:schemeClr val="tx1"/>
+                </a:solidFill>
+                <a:latin typeface="Times New Roman" panose="02020603050405020304" pitchFamily="18" charset="0"/>
+              </a:defRPr>
+            </a:lvl1pPr>
+            <a:lvl2pPr marL="744538" indent="-287338" eaLnBrk="0" hangingPunct="0">
+              <a:spcBef>
+                <a:spcPct val="0"/>
+              </a:spcBef>
+              <a:defRPr kumimoji="1" sz="2400">
+                <a:solidFill>
+                  <a:schemeClr val="tx1"/>
+                </a:solidFill>
+                <a:latin typeface="Times New Roman" panose="02020603050405020304" pitchFamily="18" charset="0"/>
+              </a:defRPr>
+            </a:lvl2pPr>
+            <a:lvl3pPr eaLnBrk="0" hangingPunct="0">
+              <a:spcBef>
+                <a:spcPct val="0"/>
+              </a:spcBef>
+              <a:defRPr kumimoji="1" sz="2400">
+                <a:solidFill>
+                  <a:schemeClr val="tx1"/>
+                </a:solidFill>
+                <a:latin typeface="Times New Roman" panose="02020603050405020304" pitchFamily="18" charset="0"/>
+              </a:defRPr>
+            </a:lvl3pPr>
+            <a:lvl4pPr eaLnBrk="0" hangingPunct="0">
+              <a:spcBef>
+                <a:spcPct val="0"/>
+              </a:spcBef>
+              <a:defRPr kumimoji="1" sz="2400">
+                <a:solidFill>
+                  <a:schemeClr val="tx1"/>
+                </a:solidFill>
+                <a:latin typeface="Times New Roman" panose="02020603050405020304" pitchFamily="18" charset="0"/>
+              </a:defRPr>
+            </a:lvl4pPr>
+            <a:lvl5pPr eaLnBrk="0" hangingPunct="0">
+              <a:spcBef>
+                <a:spcPct val="0"/>
+              </a:spcBef>
+              <a:defRPr kumimoji="1" sz="2400">
+                <a:solidFill>
+                  <a:schemeClr val="tx1"/>
+                </a:solidFill>
+                <a:latin typeface="Times New Roman" panose="02020603050405020304" pitchFamily="18" charset="0"/>
+              </a:defRPr>
+            </a:lvl5pPr>
+            <a:lvl6pPr eaLnBrk="0" fontAlgn="base" hangingPunct="0">
+              <a:spcBef>
+                <a:spcPct val="0"/>
+              </a:spcBef>
+              <a:spcAft>
+                <a:spcPct val="0"/>
+              </a:spcAft>
+              <a:defRPr kumimoji="1" sz="2400">
+                <a:solidFill>
+                  <a:schemeClr val="tx1"/>
+                </a:solidFill>
+                <a:latin typeface="Times New Roman" panose="02020603050405020304" pitchFamily="18" charset="0"/>
+              </a:defRPr>
+            </a:lvl6pPr>
+            <a:lvl7pPr eaLnBrk="0" fontAlgn="base" hangingPunct="0">
+              <a:spcBef>
+                <a:spcPct val="0"/>
+              </a:spcBef>
+              <a:spcAft>
+                <a:spcPct val="0"/>
+              </a:spcAft>
+              <a:defRPr kumimoji="1" sz="2400">
+                <a:solidFill>
+                  <a:schemeClr val="tx1"/>
+                </a:solidFill>
+                <a:latin typeface="Times New Roman" panose="02020603050405020304" pitchFamily="18" charset="0"/>
+              </a:defRPr>
+            </a:lvl7pPr>
+            <a:lvl8pPr eaLnBrk="0" fontAlgn="base" hangingPunct="0">
+              <a:spcBef>
+                <a:spcPct val="0"/>
+              </a:spcBef>
+              <a:spcAft>
+                <a:spcPct val="0"/>
+              </a:spcAft>
+              <a:defRPr kumimoji="1" sz="2400">
+                <a:solidFill>
+                  <a:schemeClr val="tx1"/>
+                </a:solidFill>
+                <a:latin typeface="Times New Roman" panose="02020603050405020304" pitchFamily="18" charset="0"/>
+              </a:defRPr>
+            </a:lvl8pPr>
+            <a:lvl9pPr eaLnBrk="0" fontAlgn="base" hangingPunct="0">
+              <a:spcBef>
+                <a:spcPct val="0"/>
+              </a:spcBef>
+              <a:spcAft>
+                <a:spcPct val="0"/>
+              </a:spcAft>
+              <a:defRPr kumimoji="1" sz="2400">
+                <a:solidFill>
+                  <a:schemeClr val="tx1"/>
+                </a:solidFill>
+                <a:latin typeface="Times New Roman" panose="02020603050405020304" pitchFamily="18" charset="0"/>
+              </a:defRPr>
+            </a:lvl9pPr>
+          </a:lstStyle>
+          <a:p>
+            <a:pPr eaLnBrk="1" hangingPunct="1">
+              <a:lnSpc>
+                <a:spcPct val="102000"/>
+              </a:lnSpc>
+              <a:spcBef>
+                <a:spcPct val="20000"/>
+              </a:spcBef>
+              <a:buClr>
+                <a:srgbClr val="808080"/>
+              </a:buClr>
+              <a:buSzPct val="60000"/>
+            </a:pPr>
+            <a:endParaRPr kumimoji="0" lang="en-GB" altLang="zh-CN" sz="1600">
+              <a:latin typeface="Verdana" panose="020B0604030504040204" pitchFamily="34" charset="0"/>
+            </a:endParaRPr>
+          </a:p>
+        </p:txBody>
+      </p:sp>
+    </p:spTree>
+    <p:extLst>
+      <p:ext uri="{BB962C8B-B14F-4D97-AF65-F5344CB8AC3E}">
+        <p14:creationId xmlns:p14="http://schemas.microsoft.com/office/powerpoint/2010/main" val="2920459818"/>
+      </p:ext>
+    </p:extLst>
+  </p:cSld>
+  <p:clrMapOvr>
+    <a:masterClrMapping/>
+  </p:clrMapOvr>
+  <mc:AlternateContent xmlns:mc="http://schemas.openxmlformats.org/markup-compatibility/2006" xmlns:p14="http://schemas.microsoft.com/office/powerpoint/2010/main">
+    <mc:Choice Requires="p14">
+      <p:transition spd="med" p14:dur="700">
+        <p:fade/>
+      </p:transition>
+    </mc:Choice>
+    <mc:Fallback xmlns="">
+      <p:transition spd="med">
+        <p:fade/>
+      </p:transition>
+    </mc:Fallback>
+  </mc:AlternateContent>
+</p:sldLayout>
+</file>
+
+<file path=ppt/slideLayouts/slideLayout14.xml><?xml version="1.0" encoding="utf-8"?>
 <p:sldLayout xmlns:a="http://schemas.openxmlformats.org/drawingml/2006/main" xmlns:r="http://schemas.openxmlformats.org/officeDocument/2006/relationships" xmlns:p="http://schemas.openxmlformats.org/presentationml/2006/main" showMasterSp="0" userDrawn="1">
-  <p:cSld name="1_标题幻灯片">
+  <p:cSld name="3_标题幻灯片">
     <p:spTree>
       <p:nvGrpSpPr>
         <p:cNvPr id="1" name=""/>
@@ -9833,7 +10272,7 @@
           <a:p>
             <a:fld id="{F721228B-0167-4061-A906-8575043315EE}" type="datetimeFigureOut">
               <a:rPr lang="zh-CN" altLang="en-US" smtClean="0"/>
-              <a:t>2023/12/10</a:t>
+              <a:t>2025/6/6 Fri</a:t>
             </a:fld>
             <a:endParaRPr lang="zh-CN" altLang="en-US"/>
           </a:p>
@@ -9898,7 +10337,7 @@
           <p:cNvPr id="8" name="矩形 7">
             <a:extLst>
               <a:ext uri="{FF2B5EF4-FFF2-40B4-BE49-F238E27FC236}">
-                <a16:creationId xmlns:a16="http://schemas.microsoft.com/office/drawing/2014/main" id="{463DBAA3-9E17-9F79-6457-4FBCAD77B6DD}"/>
+                <a16:creationId xmlns:a16="http://schemas.microsoft.com/office/drawing/2014/main" id="{F52872EC-81BB-5622-062D-1B604B1CF283}"/>
               </a:ext>
             </a:extLst>
           </p:cNvPr>
@@ -9945,7 +10384,7 @@
     </p:spTree>
     <p:extLst>
       <p:ext uri="{BB962C8B-B14F-4D97-AF65-F5344CB8AC3E}">
-        <p14:creationId xmlns:p14="http://schemas.microsoft.com/office/powerpoint/2010/main" val="2116765151"/>
+        <p14:creationId xmlns:p14="http://schemas.microsoft.com/office/powerpoint/2010/main" val="3978709621"/>
       </p:ext>
     </p:extLst>
   </p:cSld>
@@ -10169,7 +10608,7 @@
           <a:p>
             <a:fld id="{F721228B-0167-4061-A906-8575043315EE}" type="datetimeFigureOut">
               <a:rPr lang="zh-CN" altLang="en-US" smtClean="0"/>
-              <a:t>2023/12/11</a:t>
+              <a:t>2025/6/6 Fri</a:t>
             </a:fld>
             <a:endParaRPr lang="zh-CN" altLang="en-US"/>
           </a:p>
@@ -10232,7 +10671,7 @@
     </p:spTree>
     <p:extLst>
       <p:ext uri="{BB962C8B-B14F-4D97-AF65-F5344CB8AC3E}">
-        <p14:creationId xmlns:p14="http://schemas.microsoft.com/office/powerpoint/2010/main" val="3876442843"/>
+        <p14:creationId xmlns:p14="http://schemas.microsoft.com/office/powerpoint/2010/main" val="4186796781"/>
       </p:ext>
     </p:extLst>
   </p:cSld>
@@ -10527,7 +10966,7 @@
           <a:p>
             <a:fld id="{F721228B-0167-4061-A906-8575043315EE}" type="datetimeFigureOut">
               <a:rPr lang="zh-CN" altLang="en-US" smtClean="0"/>
-              <a:t>2023/12/11</a:t>
+              <a:t>2025/6/6 Fri</a:t>
             </a:fld>
             <a:endParaRPr lang="zh-CN" altLang="en-US"/>
           </a:p>
@@ -10592,7 +11031,7 @@
           <p:cNvPr id="9" name="矩形 8">
             <a:extLst>
               <a:ext uri="{FF2B5EF4-FFF2-40B4-BE49-F238E27FC236}">
-                <a16:creationId xmlns:a16="http://schemas.microsoft.com/office/drawing/2014/main" id="{4957B169-A8F7-33C2-F1E0-B044F0D297F7}"/>
+                <a16:creationId xmlns:a16="http://schemas.microsoft.com/office/drawing/2014/main" id="{82EB41EB-0D08-7526-0E4D-92DD20C296DF}"/>
               </a:ext>
             </a:extLst>
           </p:cNvPr>
@@ -10639,7 +11078,7 @@
     </p:spTree>
     <p:extLst>
       <p:ext uri="{BB962C8B-B14F-4D97-AF65-F5344CB8AC3E}">
-        <p14:creationId xmlns:p14="http://schemas.microsoft.com/office/powerpoint/2010/main" val="2296489930"/>
+        <p14:creationId xmlns:p14="http://schemas.microsoft.com/office/powerpoint/2010/main" val="3243363646"/>
       </p:ext>
     </p:extLst>
   </p:cSld>
@@ -11000,7 +11439,7 @@
           <a:p>
             <a:fld id="{F721228B-0167-4061-A906-8575043315EE}" type="datetimeFigureOut">
               <a:rPr lang="zh-CN" altLang="en-US" smtClean="0"/>
-              <a:t>2023/12/11</a:t>
+              <a:t>2025/6/6 Fri</a:t>
             </a:fld>
             <a:endParaRPr lang="zh-CN" altLang="en-US"/>
           </a:p>
@@ -11063,7 +11502,7 @@
     </p:spTree>
     <p:extLst>
       <p:ext uri="{BB962C8B-B14F-4D97-AF65-F5344CB8AC3E}">
-        <p14:creationId xmlns:p14="http://schemas.microsoft.com/office/powerpoint/2010/main" val="1903742116"/>
+        <p14:creationId xmlns:p14="http://schemas.microsoft.com/office/powerpoint/2010/main" val="4152539941"/>
       </p:ext>
     </p:extLst>
   </p:cSld>
@@ -11153,7 +11592,7 @@
           <a:p>
             <a:fld id="{F721228B-0167-4061-A906-8575043315EE}" type="datetimeFigureOut">
               <a:rPr lang="zh-CN" altLang="en-US" smtClean="0"/>
-              <a:t>2023/12/11</a:t>
+              <a:t>2025/6/6 Fri</a:t>
             </a:fld>
             <a:endParaRPr lang="zh-CN" altLang="en-US"/>
           </a:p>
@@ -11216,7 +11655,7 @@
     </p:spTree>
     <p:extLst>
       <p:ext uri="{BB962C8B-B14F-4D97-AF65-F5344CB8AC3E}">
-        <p14:creationId xmlns:p14="http://schemas.microsoft.com/office/powerpoint/2010/main" val="2266343131"/>
+        <p14:creationId xmlns:p14="http://schemas.microsoft.com/office/powerpoint/2010/main" val="551415244"/>
       </p:ext>
     </p:extLst>
   </p:cSld>
@@ -11278,7 +11717,7 @@
           <a:p>
             <a:fld id="{F721228B-0167-4061-A906-8575043315EE}" type="datetimeFigureOut">
               <a:rPr lang="zh-CN" altLang="en-US" smtClean="0"/>
-              <a:t>2023/12/11</a:t>
+              <a:t>2025/6/6 Fri</a:t>
             </a:fld>
             <a:endParaRPr lang="zh-CN" altLang="en-US"/>
           </a:p>
@@ -11341,7 +11780,7 @@
     </p:spTree>
     <p:extLst>
       <p:ext uri="{BB962C8B-B14F-4D97-AF65-F5344CB8AC3E}">
-        <p14:creationId xmlns:p14="http://schemas.microsoft.com/office/powerpoint/2010/main" val="3125871839"/>
+        <p14:creationId xmlns:p14="http://schemas.microsoft.com/office/powerpoint/2010/main" val="3816333957"/>
       </p:ext>
     </p:extLst>
   </p:cSld>
@@ -11601,7 +12040,7 @@
           <a:p>
             <a:fld id="{F721228B-0167-4061-A906-8575043315EE}" type="datetimeFigureOut">
               <a:rPr lang="zh-CN" altLang="en-US" smtClean="0"/>
-              <a:t>2023/12/11</a:t>
+              <a:t>2025/6/6 Fri</a:t>
             </a:fld>
             <a:endParaRPr lang="zh-CN" altLang="en-US"/>
           </a:p>
@@ -11664,7 +12103,7 @@
     </p:spTree>
     <p:extLst>
       <p:ext uri="{BB962C8B-B14F-4D97-AF65-F5344CB8AC3E}">
-        <p14:creationId xmlns:p14="http://schemas.microsoft.com/office/powerpoint/2010/main" val="4269120921"/>
+        <p14:creationId xmlns:p14="http://schemas.microsoft.com/office/powerpoint/2010/main" val="3405820112"/>
       </p:ext>
     </p:extLst>
   </p:cSld>
@@ -11901,7 +12340,7 @@
           <a:p>
             <a:fld id="{F721228B-0167-4061-A906-8575043315EE}" type="datetimeFigureOut">
               <a:rPr lang="zh-CN" altLang="en-US" smtClean="0"/>
-              <a:t>2023/12/11</a:t>
+              <a:t>2025/6/6 Fri</a:t>
             </a:fld>
             <a:endParaRPr lang="zh-CN" altLang="en-US"/>
           </a:p>
@@ -11964,7 +12403,7 @@
     </p:spTree>
     <p:extLst>
       <p:ext uri="{BB962C8B-B14F-4D97-AF65-F5344CB8AC3E}">
-        <p14:creationId xmlns:p14="http://schemas.microsoft.com/office/powerpoint/2010/main" val="3839517779"/>
+        <p14:creationId xmlns:p14="http://schemas.microsoft.com/office/powerpoint/2010/main" val="1547783263"/>
       </p:ext>
     </p:extLst>
   </p:cSld>
@@ -11987,12 +12426,23 @@
 </file>
 
 <file path=ppt/slideMasters/slideMaster1.xml><?xml version="1.0" encoding="utf-8"?>
-<p:sldMaster xmlns:a="http://schemas.openxmlformats.org/drawingml/2006/main" xmlns:r="http://schemas.openxmlformats.org/officeDocument/2006/relationships" xmlns:p="http://schemas.openxmlformats.org/presentationml/2006/main">
+<p:sldMaster xmlns:a="http://schemas.openxmlformats.org/drawingml/2006/main" xmlns:r="http://schemas.openxmlformats.org/officeDocument/2006/relationships" xmlns:p="http://schemas.openxmlformats.org/presentationml/2006/main" preserve="1">
   <p:cSld>
     <p:bg>
-      <p:bgRef idx="1001">
-        <a:schemeClr val="bg1"/>
-      </p:bgRef>
+      <p:bgPr>
+        <a:gradFill>
+          <a:gsLst>
+            <a:gs pos="0">
+              <a:schemeClr val="bg1"/>
+            </a:gs>
+            <a:gs pos="100000">
+              <a:srgbClr val="F0F8FF"/>
+            </a:gs>
+          </a:gsLst>
+          <a:lin ang="5400000" scaled="1"/>
+        </a:gradFill>
+        <a:effectLst/>
+      </p:bgPr>
     </p:bg>
     <p:spTree>
       <p:nvGrpSpPr>
@@ -12154,7 +12604,7 @@
           <a:p>
             <a:fld id="{F721228B-0167-4061-A906-8575043315EE}" type="datetimeFigureOut">
               <a:rPr lang="zh-CN" altLang="en-US" smtClean="0"/>
-              <a:t>2023/12/10</a:t>
+              <a:t>2025/6/6 Fri</a:t>
             </a:fld>
             <a:endParaRPr lang="zh-CN" altLang="en-US"/>
           </a:p>
@@ -12250,27 +12700,59 @@
           </a:p>
         </p:txBody>
       </p:sp>
+      <p:pic>
+        <p:nvPicPr>
+          <p:cNvPr id="7" name="图片 6">
+            <a:extLst>
+              <a:ext uri="{FF2B5EF4-FFF2-40B4-BE49-F238E27FC236}">
+                <a16:creationId xmlns:a16="http://schemas.microsoft.com/office/drawing/2014/main" id="{68A54585-7C5F-477D-7B3E-CE77E2F12069}"/>
+              </a:ext>
+            </a:extLst>
+          </p:cNvPr>
+          <p:cNvPicPr/>
+          <p:nvPr userDrawn="1"/>
+        </p:nvPicPr>
+        <p:blipFill>
+          <a:blip r:embed="rId16"/>
+          <a:stretch/>
+        </p:blipFill>
+        <p:spPr>
+          <a:xfrm>
+            <a:off x="11234160" y="5770605"/>
+            <a:ext cx="699060" cy="815726"/>
+          </a:xfrm>
+          <a:prstGeom prst="rect">
+            <a:avLst/>
+          </a:prstGeom>
+          <a:noFill/>
+          <a:ln w="0">
+            <a:noFill/>
+          </a:ln>
+        </p:spPr>
+      </p:pic>
     </p:spTree>
     <p:extLst>
       <p:ext uri="{BB962C8B-B14F-4D97-AF65-F5344CB8AC3E}">
-        <p14:creationId xmlns:p14="http://schemas.microsoft.com/office/powerpoint/2010/main" val="1766057859"/>
+        <p14:creationId xmlns:p14="http://schemas.microsoft.com/office/powerpoint/2010/main" val="4127586598"/>
       </p:ext>
     </p:extLst>
   </p:cSld>
   <p:clrMap bg1="lt1" tx1="dk1" bg2="lt2" tx2="dk2" accent1="accent1" accent2="accent2" accent3="accent3" accent4="accent4" accent5="accent5" accent6="accent6" hlink="hlink" folHlink="folHlink"/>
   <p:sldLayoutIdLst>
-    <p:sldLayoutId id="2147483649" r:id="rId1"/>
-    <p:sldLayoutId id="2147483650" r:id="rId2"/>
-    <p:sldLayoutId id="2147483651" r:id="rId3"/>
-    <p:sldLayoutId id="2147483652" r:id="rId4"/>
-    <p:sldLayoutId id="2147483653" r:id="rId5"/>
-    <p:sldLayoutId id="2147483654" r:id="rId6"/>
-    <p:sldLayoutId id="2147483655" r:id="rId7"/>
-    <p:sldLayoutId id="2147483656" r:id="rId8"/>
-    <p:sldLayoutId id="2147483657" r:id="rId9"/>
-    <p:sldLayoutId id="2147483658" r:id="rId10"/>
-    <p:sldLayoutId id="2147483659" r:id="rId11"/>
-    <p:sldLayoutId id="2147483660" r:id="rId12"/>
+    <p:sldLayoutId id="2147483662" r:id="rId1"/>
+    <p:sldLayoutId id="2147483663" r:id="rId2"/>
+    <p:sldLayoutId id="2147483664" r:id="rId3"/>
+    <p:sldLayoutId id="2147483665" r:id="rId4"/>
+    <p:sldLayoutId id="2147483666" r:id="rId5"/>
+    <p:sldLayoutId id="2147483667" r:id="rId6"/>
+    <p:sldLayoutId id="2147483668" r:id="rId7"/>
+    <p:sldLayoutId id="2147483669" r:id="rId8"/>
+    <p:sldLayoutId id="2147483670" r:id="rId9"/>
+    <p:sldLayoutId id="2147483671" r:id="rId10"/>
+    <p:sldLayoutId id="2147483672" r:id="rId11"/>
+    <p:sldLayoutId id="2147483673" r:id="rId12"/>
+    <p:sldLayoutId id="2147483674" r:id="rId13"/>
+    <p:sldLayoutId id="2147483660" r:id="rId14"/>
   </p:sldLayoutIdLst>
   <mc:AlternateContent xmlns:mc="http://schemas.openxmlformats.org/markup-compatibility/2006" xmlns:p14="http://schemas.microsoft.com/office/powerpoint/2010/main">
     <mc:Choice Requires="p14">
@@ -12570,14 +13052,6 @@
 <file path=ppt/slides/slide1.xml><?xml version="1.0" encoding="utf-8"?>
 <p:sld xmlns:a="http://schemas.openxmlformats.org/drawingml/2006/main" xmlns:r="http://schemas.openxmlformats.org/officeDocument/2006/relationships" xmlns:p="http://schemas.openxmlformats.org/presentationml/2006/main">
   <p:cSld>
-    <p:bg>
-      <p:bgPr>
-        <a:solidFill>
-          <a:srgbClr val="FFFAD4"/>
-        </a:solidFill>
-        <a:effectLst/>
-      </p:bgPr>
-    </p:bg>
     <p:spTree>
       <p:nvGrpSpPr>
         <p:cNvPr id="1" name=""/>
@@ -12610,20 +13084,20 @@
         </p:nvSpPr>
         <p:spPr>
           <a:xfrm>
-            <a:off x="-16934" y="3201698"/>
-            <a:ext cx="12208933" cy="1600200"/>
+            <a:off x="-17463" y="3644900"/>
+            <a:ext cx="12209463" cy="1600200"/>
           </a:xfrm>
-          <a:solidFill>
-            <a:srgbClr val="F6E979"/>
-          </a:solidFill>
+          <a:noFill/>
         </p:spPr>
         <p:txBody>
-          <a:bodyPr/>
+          <a:bodyPr>
+            <a:normAutofit/>
+          </a:bodyPr>
           <a:lstStyle/>
           <a:p>
             <a:pPr algn="ctr"/>
             <a:r>
-              <a:rPr lang="en-US" altLang="zh-CN">
+              <a:rPr lang="en-US" altLang="zh-CN" sz="4800" dirty="0">
                 <a:solidFill>
                   <a:schemeClr val="tx1">
                     <a:lumMod val="95000"/>
@@ -12643,7 +13117,7 @@
               <a:t>Python </a:t>
             </a:r>
             <a:r>
-              <a:rPr lang="zh-CN" altLang="en-US">
+              <a:rPr lang="zh-CN" altLang="en-US" sz="4800" dirty="0">
                 <a:solidFill>
                   <a:schemeClr val="tx1">
                     <a:lumMod val="95000"/>
@@ -12660,10 +13134,10 @@
                 <a:latin typeface="华文琥珀" panose="02010800040101010101" pitchFamily="2" charset="-122"/>
                 <a:ea typeface="华文琥珀" panose="02010800040101010101" pitchFamily="2" charset="-122"/>
               </a:rPr>
-              <a:t>编程</a:t>
-            </a:r>
-            <a:r>
-              <a:rPr lang="zh-CN" altLang="en-US" dirty="0">
+              <a:t>编程：从入门到实践</a:t>
+            </a:r>
+            <a:br>
+              <a:rPr lang="en-US" altLang="zh-CN" sz="4800" dirty="0">
                 <a:solidFill>
                   <a:schemeClr val="tx1">
                     <a:lumMod val="95000"/>
@@ -12680,10 +13154,9 @@
                 <a:latin typeface="华文琥珀" panose="02010800040101010101" pitchFamily="2" charset="-122"/>
                 <a:ea typeface="华文琥珀" panose="02010800040101010101" pitchFamily="2" charset="-122"/>
               </a:rPr>
-              <a:t>：从入门到实践</a:t>
-            </a:r>
-            <a:br>
-              <a:rPr lang="en-US" altLang="zh-CN" dirty="0">
+            </a:br>
+            <a:r>
+              <a:rPr lang="zh-CN" altLang="en-US" sz="4800" dirty="0">
                 <a:solidFill>
                   <a:schemeClr val="tx1">
                     <a:lumMod val="95000"/>
@@ -12700,28 +13173,9 @@
                 <a:latin typeface="华文琥珀" panose="02010800040101010101" pitchFamily="2" charset="-122"/>
                 <a:ea typeface="华文琥珀" panose="02010800040101010101" pitchFamily="2" charset="-122"/>
               </a:rPr>
-            </a:br>
-            <a:r>
-              <a:rPr lang="zh-CN" altLang="en-US" dirty="0">
-                <a:solidFill>
-                  <a:schemeClr val="tx1">
-                    <a:lumMod val="95000"/>
-                    <a:lumOff val="5000"/>
-                  </a:schemeClr>
-                </a:solidFill>
-                <a:effectLst>
-                  <a:outerShdw blurRad="38100" dist="38100" dir="2700000" algn="tl">
-                    <a:srgbClr val="000000">
-                      <a:alpha val="43137"/>
-                    </a:srgbClr>
-                  </a:outerShdw>
-                </a:effectLst>
-                <a:latin typeface="华文琥珀" panose="02010800040101010101" pitchFamily="2" charset="-122"/>
-                <a:ea typeface="华文琥珀" panose="02010800040101010101" pitchFamily="2" charset="-122"/>
-              </a:rPr>
               <a:t>（第三版）</a:t>
             </a:r>
-            <a:endParaRPr lang="en-US" altLang="zh-CN" dirty="0">
+            <a:endParaRPr lang="en-US" altLang="zh-CN" sz="4800" dirty="0">
               <a:solidFill>
                 <a:schemeClr val="tx1">
                   <a:lumMod val="95000"/>
@@ -12757,8 +13211,8 @@
         </p:nvSpPr>
         <p:spPr bwMode="auto">
           <a:xfrm>
-            <a:off x="4559361" y="5491971"/>
-            <a:ext cx="3073277" cy="369332"/>
+            <a:off x="4304483" y="5491971"/>
+            <a:ext cx="3583033" cy="461665"/>
           </a:xfrm>
           <a:prstGeom prst="rect">
             <a:avLst/>
@@ -12808,8 +13262,8 @@
               <a:buNone/>
             </a:pPr>
             <a:r>
-              <a:rPr lang="en-US" altLang="zh-CN" b="1" dirty="0">
-                <a:latin typeface="Verdana" panose="020B0604030504040204" pitchFamily="34" charset="0"/>
+              <a:rPr lang="en-US" altLang="zh-CN" sz="2400" b="1" dirty="0">
+                <a:latin typeface="Consolas" panose="020B0609020204030204" pitchFamily="49" charset="0"/>
                 <a:ea typeface="Verdana" panose="020B0604030504040204" pitchFamily="34" charset="0"/>
               </a:rPr>
               <a:t>Teacher Name / Email</a:t>
@@ -12845,7 +13299,7 @@
         </p:blipFill>
         <p:spPr>
           <a:xfrm>
-            <a:off x="4488200" y="581078"/>
+            <a:off x="4495458" y="804806"/>
             <a:ext cx="3186567" cy="2591873"/>
           </a:xfrm>
           <a:prstGeom prst="rect">
@@ -12858,7 +13312,7 @@
           <p:cNvPr id="4" name="矩形 3">
             <a:extLst>
               <a:ext uri="{FF2B5EF4-FFF2-40B4-BE49-F238E27FC236}">
-                <a16:creationId xmlns:a16="http://schemas.microsoft.com/office/drawing/2014/main" id="{C44D3F82-E064-12EC-D465-F4C20A1913B9}"/>
+                <a16:creationId xmlns:a16="http://schemas.microsoft.com/office/drawing/2014/main" id="{75A0379E-3606-9AF4-7B2C-57E5B4C73ED1}"/>
               </a:ext>
             </a:extLst>
           </p:cNvPr>
@@ -13728,13 +14182,13 @@
   <p:clrMapOvr>
     <a:masterClrMapping/>
   </p:clrMapOvr>
-  <mc:AlternateContent xmlns:mc="http://schemas.openxmlformats.org/markup-compatibility/2006">
-    <mc:Choice xmlns:p14="http://schemas.microsoft.com/office/powerpoint/2010/main" Requires="p14">
+  <mc:AlternateContent xmlns:mc="http://schemas.openxmlformats.org/markup-compatibility/2006" xmlns:p14="http://schemas.microsoft.com/office/powerpoint/2010/main">
+    <mc:Choice Requires="p14">
       <p:transition spd="med" p14:dur="700">
         <p:fade/>
       </p:transition>
     </mc:Choice>
-    <mc:Fallback>
+    <mc:Fallback xmlns="">
       <p:transition spd="med">
         <p:fade/>
       </p:transition>
@@ -18240,11 +18694,11 @@
   <p:clrMapOvr>
     <a:masterClrMapping/>
   </p:clrMapOvr>
-  <mc:AlternateContent xmlns:mc="http://schemas.openxmlformats.org/markup-compatibility/2006">
-    <mc:Choice xmlns:p14="http://schemas.microsoft.com/office/powerpoint/2010/main" Requires="p14">
+  <mc:AlternateContent xmlns:mc="http://schemas.openxmlformats.org/markup-compatibility/2006" xmlns:p14="http://schemas.microsoft.com/office/powerpoint/2010/main">
+    <mc:Choice Requires="p14">
       <p:transition p14:dur="0"/>
     </mc:Choice>
-    <mc:Fallback>
+    <mc:Fallback xmlns="">
       <p:transition/>
     </mc:Fallback>
   </mc:AlternateContent>
@@ -19803,6 +20257,34 @@
       </p:grpSpPr>
       <p:sp>
         <p:nvSpPr>
+          <p:cNvPr id="5" name="标题 4">
+            <a:extLst>
+              <a:ext uri="{FF2B5EF4-FFF2-40B4-BE49-F238E27FC236}">
+                <a16:creationId xmlns:a16="http://schemas.microsoft.com/office/drawing/2014/main" id="{14B5F31E-85DD-B8D9-9ED7-E32A03C57260}"/>
+              </a:ext>
+            </a:extLst>
+          </p:cNvPr>
+          <p:cNvSpPr>
+            <a:spLocks noGrp="1"/>
+          </p:cNvSpPr>
+          <p:nvPr>
+            <p:ph type="title"/>
+          </p:nvPr>
+        </p:nvSpPr>
+        <p:spPr/>
+        <p:txBody>
+          <a:bodyPr/>
+          <a:lstStyle/>
+          <a:p>
+            <a:r>
+              <a:rPr lang="zh-CN" altLang="en-US" dirty="0"/>
+              <a:t>关于本讲义</a:t>
+            </a:r>
+          </a:p>
+        </p:txBody>
+      </p:sp>
+      <p:sp>
+        <p:nvSpPr>
           <p:cNvPr id="3" name="内容占位符 2">
             <a:extLst>
               <a:ext uri="{FF2B5EF4-FFF2-40B4-BE49-F238E27FC236}">
@@ -19942,34 +20424,6 @@
             <a:r>
               <a:rPr lang="en-US" altLang="zh-CN" dirty="0"/>
               <a:t>@Scruel Tao</a:t>
-            </a:r>
-          </a:p>
-        </p:txBody>
-      </p:sp>
-      <p:sp>
-        <p:nvSpPr>
-          <p:cNvPr id="5" name="标题 4">
-            <a:extLst>
-              <a:ext uri="{FF2B5EF4-FFF2-40B4-BE49-F238E27FC236}">
-                <a16:creationId xmlns:a16="http://schemas.microsoft.com/office/drawing/2014/main" id="{14B5F31E-85DD-B8D9-9ED7-E32A03C57260}"/>
-              </a:ext>
-            </a:extLst>
-          </p:cNvPr>
-          <p:cNvSpPr>
-            <a:spLocks noGrp="1"/>
-          </p:cNvSpPr>
-          <p:nvPr>
-            <p:ph type="title"/>
-          </p:nvPr>
-        </p:nvSpPr>
-        <p:spPr/>
-        <p:txBody>
-          <a:bodyPr/>
-          <a:lstStyle/>
-          <a:p>
-            <a:r>
-              <a:rPr lang="zh-CN" altLang="en-US" dirty="0"/>
-              <a:t>关于本讲义</a:t>
             </a:r>
           </a:p>
         </p:txBody>
@@ -32936,7 +33390,7 @@
 </file>
 
 <file path=ppt/theme/theme1.xml><?xml version="1.0" encoding="utf-8"?>
-<a:theme xmlns:a="http://schemas.openxmlformats.org/drawingml/2006/main" name="Office 主题​​">
+<a:theme xmlns:a="http://schemas.openxmlformats.org/drawingml/2006/main" name="2_Office 主题​​">
   <a:themeElements>
     <a:clrScheme name="Office">
       <a:dk1>
